--- a/GitStudySession.pptx
+++ b/GitStudySession.pptx
@@ -1526,7 +1526,7 @@
   <p:cSld>
     <p:spTree>
       <p:nvGrpSpPr>
-        <p:cNvPr id="293" name="Shape 293"/>
+        <p:cNvPr id="294" name="Shape 294"/>
         <p:cNvGrpSpPr/>
         <p:nvPr/>
       </p:nvGrpSpPr>
@@ -1540,7 +1540,7 @@
       </p:grpSpPr>
       <p:sp>
         <p:nvSpPr>
-          <p:cNvPr id="294" name="Google Shape;294;gc73b254f8a_0_6:notes"/>
+          <p:cNvPr id="295" name="Google Shape;295;gc73b254f8a_0_6:notes"/>
           <p:cNvSpPr/>
           <p:nvPr>
             <p:ph idx="2" type="sldImg"/>
@@ -1575,7 +1575,7 @@
       </p:sp>
       <p:sp>
         <p:nvSpPr>
-          <p:cNvPr id="295" name="Google Shape;295;gc73b254f8a_0_6:notes"/>
+          <p:cNvPr id="296" name="Google Shape;296;gc73b254f8a_0_6:notes"/>
           <p:cNvSpPr txBox="1"/>
           <p:nvPr>
             <p:ph idx="1" type="body"/>
@@ -1625,7 +1625,7 @@
   <p:cSld>
     <p:spTree>
       <p:nvGrpSpPr>
-        <p:cNvPr id="310" name="Shape 310"/>
+        <p:cNvPr id="311" name="Shape 311"/>
         <p:cNvGrpSpPr/>
         <p:nvPr/>
       </p:nvGrpSpPr>
@@ -1639,7 +1639,7 @@
       </p:grpSpPr>
       <p:sp>
         <p:nvSpPr>
-          <p:cNvPr id="311" name="Google Shape;311;gc73b254f8a_0_23:notes"/>
+          <p:cNvPr id="312" name="Google Shape;312;gc73b254f8a_0_23:notes"/>
           <p:cNvSpPr/>
           <p:nvPr>
             <p:ph idx="2" type="sldImg"/>
@@ -1674,7 +1674,7 @@
       </p:sp>
       <p:sp>
         <p:nvSpPr>
-          <p:cNvPr id="312" name="Google Shape;312;gc73b254f8a_0_23:notes"/>
+          <p:cNvPr id="313" name="Google Shape;313;gc73b254f8a_0_23:notes"/>
           <p:cNvSpPr txBox="1"/>
           <p:nvPr>
             <p:ph idx="1" type="body"/>
@@ -1724,7 +1724,7 @@
   <p:cSld>
     <p:spTree>
       <p:nvGrpSpPr>
-        <p:cNvPr id="317" name="Shape 317"/>
+        <p:cNvPr id="318" name="Shape 318"/>
         <p:cNvGrpSpPr/>
         <p:nvPr/>
       </p:nvGrpSpPr>
@@ -1738,7 +1738,7 @@
       </p:grpSpPr>
       <p:sp>
         <p:nvSpPr>
-          <p:cNvPr id="318" name="Google Shape;318;gc73b254f8a_0_29:notes"/>
+          <p:cNvPr id="319" name="Google Shape;319;gc73b254f8a_0_29:notes"/>
           <p:cNvSpPr/>
           <p:nvPr>
             <p:ph idx="2" type="sldImg"/>
@@ -1773,7 +1773,7 @@
       </p:sp>
       <p:sp>
         <p:nvSpPr>
-          <p:cNvPr id="319" name="Google Shape;319;gc73b254f8a_0_29:notes"/>
+          <p:cNvPr id="320" name="Google Shape;320;gc73b254f8a_0_29:notes"/>
           <p:cNvSpPr txBox="1"/>
           <p:nvPr>
             <p:ph idx="1" type="body"/>
@@ -1922,7 +1922,7 @@
   <p:cSld>
     <p:spTree>
       <p:nvGrpSpPr>
-        <p:cNvPr id="339" name="Shape 339"/>
+        <p:cNvPr id="340" name="Shape 340"/>
         <p:cNvGrpSpPr/>
         <p:nvPr/>
       </p:nvGrpSpPr>
@@ -1936,7 +1936,7 @@
       </p:grpSpPr>
       <p:sp>
         <p:nvSpPr>
-          <p:cNvPr id="340" name="Google Shape;340;gc73b254f8a_0_51:notes"/>
+          <p:cNvPr id="341" name="Google Shape;341;gc73b254f8a_0_51:notes"/>
           <p:cNvSpPr/>
           <p:nvPr>
             <p:ph idx="2" type="sldImg"/>
@@ -1971,7 +1971,7 @@
       </p:sp>
       <p:sp>
         <p:nvSpPr>
-          <p:cNvPr id="341" name="Google Shape;341;gc73b254f8a_0_51:notes"/>
+          <p:cNvPr id="342" name="Google Shape;342;gc73b254f8a_0_51:notes"/>
           <p:cNvSpPr txBox="1"/>
           <p:nvPr>
             <p:ph idx="1" type="body"/>
@@ -2021,7 +2021,7 @@
   <p:cSld>
     <p:spTree>
       <p:nvGrpSpPr>
-        <p:cNvPr id="346" name="Shape 346"/>
+        <p:cNvPr id="347" name="Shape 347"/>
         <p:cNvGrpSpPr/>
         <p:nvPr/>
       </p:nvGrpSpPr>
@@ -2035,7 +2035,7 @@
       </p:grpSpPr>
       <p:sp>
         <p:nvSpPr>
-          <p:cNvPr id="347" name="Google Shape;347;gcedcdd2e95_0_0:notes"/>
+          <p:cNvPr id="348" name="Google Shape;348;gcedcdd2e95_0_0:notes"/>
           <p:cNvSpPr/>
           <p:nvPr>
             <p:ph idx="2" type="sldImg"/>
@@ -2070,7 +2070,7 @@
       </p:sp>
       <p:sp>
         <p:nvSpPr>
-          <p:cNvPr id="348" name="Google Shape;348;gcedcdd2e95_0_0:notes"/>
+          <p:cNvPr id="349" name="Google Shape;349;gcedcdd2e95_0_0:notes"/>
           <p:cNvSpPr txBox="1"/>
           <p:nvPr>
             <p:ph idx="1" type="body"/>
@@ -2120,7 +2120,7 @@
   <p:cSld>
     <p:spTree>
       <p:nvGrpSpPr>
-        <p:cNvPr id="383" name="Shape 383"/>
+        <p:cNvPr id="384" name="Shape 384"/>
         <p:cNvGrpSpPr/>
         <p:nvPr/>
       </p:nvGrpSpPr>
@@ -2134,7 +2134,7 @@
       </p:grpSpPr>
       <p:sp>
         <p:nvSpPr>
-          <p:cNvPr id="384" name="Google Shape;384;gcf5490366d_0_0:notes"/>
+          <p:cNvPr id="385" name="Google Shape;385;gcf5490366d_0_0:notes"/>
           <p:cNvSpPr/>
           <p:nvPr>
             <p:ph idx="2" type="sldImg"/>
@@ -2169,7 +2169,7 @@
       </p:sp>
       <p:sp>
         <p:nvSpPr>
-          <p:cNvPr id="385" name="Google Shape;385;gcf5490366d_0_0:notes"/>
+          <p:cNvPr id="386" name="Google Shape;386;gcf5490366d_0_0:notes"/>
           <p:cNvSpPr txBox="1"/>
           <p:nvPr>
             <p:ph idx="1" type="body"/>
@@ -2219,7 +2219,7 @@
   <p:cSld>
     <p:spTree>
       <p:nvGrpSpPr>
-        <p:cNvPr id="397" name="Shape 397"/>
+        <p:cNvPr id="398" name="Shape 398"/>
         <p:cNvGrpSpPr/>
         <p:nvPr/>
       </p:nvGrpSpPr>
@@ -2233,7 +2233,7 @@
       </p:grpSpPr>
       <p:sp>
         <p:nvSpPr>
-          <p:cNvPr id="398" name="Google Shape;398;gcf5490366d_0_38:notes"/>
+          <p:cNvPr id="399" name="Google Shape;399;gcf5490366d_0_38:notes"/>
           <p:cNvSpPr/>
           <p:nvPr>
             <p:ph idx="2" type="sldImg"/>
@@ -2268,7 +2268,7 @@
       </p:sp>
       <p:sp>
         <p:nvSpPr>
-          <p:cNvPr id="399" name="Google Shape;399;gcf5490366d_0_38:notes"/>
+          <p:cNvPr id="400" name="Google Shape;400;gcf5490366d_0_38:notes"/>
           <p:cNvSpPr txBox="1"/>
           <p:nvPr>
             <p:ph idx="1" type="body"/>
@@ -2318,7 +2318,7 @@
   <p:cSld>
     <p:spTree>
       <p:nvGrpSpPr>
-        <p:cNvPr id="413" name="Shape 413"/>
+        <p:cNvPr id="414" name="Shape 414"/>
         <p:cNvGrpSpPr/>
         <p:nvPr/>
       </p:nvGrpSpPr>
@@ -2332,7 +2332,7 @@
       </p:grpSpPr>
       <p:sp>
         <p:nvSpPr>
-          <p:cNvPr id="414" name="Google Shape;414;gcf5490366d_0_102:notes"/>
+          <p:cNvPr id="415" name="Google Shape;415;gcf5490366d_0_102:notes"/>
           <p:cNvSpPr/>
           <p:nvPr>
             <p:ph idx="2" type="sldImg"/>
@@ -2367,7 +2367,7 @@
       </p:sp>
       <p:sp>
         <p:nvSpPr>
-          <p:cNvPr id="415" name="Google Shape;415;gcf5490366d_0_102:notes"/>
+          <p:cNvPr id="416" name="Google Shape;416;gcf5490366d_0_102:notes"/>
           <p:cNvSpPr txBox="1"/>
           <p:nvPr>
             <p:ph idx="1" type="body"/>
@@ -2417,7 +2417,7 @@
   <p:cSld>
     <p:spTree>
       <p:nvGrpSpPr>
-        <p:cNvPr id="430" name="Shape 430"/>
+        <p:cNvPr id="431" name="Shape 431"/>
         <p:cNvGrpSpPr/>
         <p:nvPr/>
       </p:nvGrpSpPr>
@@ -2431,7 +2431,7 @@
       </p:grpSpPr>
       <p:sp>
         <p:nvSpPr>
-          <p:cNvPr id="431" name="Google Shape;431;gcf5490366d_0_118:notes"/>
+          <p:cNvPr id="432" name="Google Shape;432;gcf5490366d_0_118:notes"/>
           <p:cNvSpPr/>
           <p:nvPr>
             <p:ph idx="2" type="sldImg"/>
@@ -2466,7 +2466,7 @@
       </p:sp>
       <p:sp>
         <p:nvSpPr>
-          <p:cNvPr id="432" name="Google Shape;432;gcf5490366d_0_118:notes"/>
+          <p:cNvPr id="433" name="Google Shape;433;gcf5490366d_0_118:notes"/>
           <p:cNvSpPr txBox="1"/>
           <p:nvPr>
             <p:ph idx="1" type="body"/>
@@ -2516,7 +2516,7 @@
   <p:cSld>
     <p:spTree>
       <p:nvGrpSpPr>
-        <p:cNvPr id="448" name="Shape 448"/>
+        <p:cNvPr id="449" name="Shape 449"/>
         <p:cNvGrpSpPr/>
         <p:nvPr/>
       </p:nvGrpSpPr>
@@ -2530,7 +2530,7 @@
       </p:grpSpPr>
       <p:sp>
         <p:nvSpPr>
-          <p:cNvPr id="449" name="Google Shape;449;gcf5490366d_0_136:notes"/>
+          <p:cNvPr id="450" name="Google Shape;450;gcf5490366d_0_136:notes"/>
           <p:cNvSpPr/>
           <p:nvPr>
             <p:ph idx="2" type="sldImg"/>
@@ -2565,7 +2565,7 @@
       </p:sp>
       <p:sp>
         <p:nvSpPr>
-          <p:cNvPr id="450" name="Google Shape;450;gcf5490366d_0_136:notes"/>
+          <p:cNvPr id="451" name="Google Shape;451;gcf5490366d_0_136:notes"/>
           <p:cNvSpPr txBox="1"/>
           <p:nvPr>
             <p:ph idx="1" type="body"/>
@@ -2615,7 +2615,7 @@
   <p:cSld>
     <p:spTree>
       <p:nvGrpSpPr>
-        <p:cNvPr id="468" name="Shape 468"/>
+        <p:cNvPr id="469" name="Shape 469"/>
         <p:cNvGrpSpPr/>
         <p:nvPr/>
       </p:nvGrpSpPr>
@@ -2629,7 +2629,7 @@
       </p:grpSpPr>
       <p:sp>
         <p:nvSpPr>
-          <p:cNvPr id="469" name="Google Shape;469;gcf5490366d_0_155:notes"/>
+          <p:cNvPr id="470" name="Google Shape;470;gcf5490366d_0_155:notes"/>
           <p:cNvSpPr/>
           <p:nvPr>
             <p:ph idx="2" type="sldImg"/>
@@ -2664,7 +2664,7 @@
       </p:sp>
       <p:sp>
         <p:nvSpPr>
-          <p:cNvPr id="470" name="Google Shape;470;gcf5490366d_0_155:notes"/>
+          <p:cNvPr id="471" name="Google Shape;471;gcf5490366d_0_155:notes"/>
           <p:cNvSpPr txBox="1"/>
           <p:nvPr>
             <p:ph idx="1" type="body"/>
@@ -2714,7 +2714,7 @@
   <p:cSld>
     <p:spTree>
       <p:nvGrpSpPr>
-        <p:cNvPr id="488" name="Shape 488"/>
+        <p:cNvPr id="489" name="Shape 489"/>
         <p:cNvGrpSpPr/>
         <p:nvPr/>
       </p:nvGrpSpPr>
@@ -2728,7 +2728,7 @@
       </p:grpSpPr>
       <p:sp>
         <p:nvSpPr>
-          <p:cNvPr id="489" name="Google Shape;489;gcedcdd2e95_0_31:notes"/>
+          <p:cNvPr id="490" name="Google Shape;490;gcedcdd2e95_0_31:notes"/>
           <p:cNvSpPr/>
           <p:nvPr>
             <p:ph idx="2" type="sldImg"/>
@@ -2763,7 +2763,7 @@
       </p:sp>
       <p:sp>
         <p:nvSpPr>
-          <p:cNvPr id="490" name="Google Shape;490;gcedcdd2e95_0_31:notes"/>
+          <p:cNvPr id="491" name="Google Shape;491;gcedcdd2e95_0_31:notes"/>
           <p:cNvSpPr txBox="1"/>
           <p:nvPr>
             <p:ph idx="1" type="body"/>
@@ -2813,7 +2813,7 @@
   <p:cSld>
     <p:spTree>
       <p:nvGrpSpPr>
-        <p:cNvPr id="495" name="Shape 495"/>
+        <p:cNvPr id="496" name="Shape 496"/>
         <p:cNvGrpSpPr/>
         <p:nvPr/>
       </p:nvGrpSpPr>
@@ -2827,7 +2827,7 @@
       </p:grpSpPr>
       <p:sp>
         <p:nvSpPr>
-          <p:cNvPr id="496" name="Google Shape;496;gcc36a7bfbb_0_0:notes"/>
+          <p:cNvPr id="497" name="Google Shape;497;gcc36a7bfbb_0_0:notes"/>
           <p:cNvSpPr/>
           <p:nvPr>
             <p:ph idx="2" type="sldImg"/>
@@ -2862,7 +2862,7 @@
       </p:sp>
       <p:sp>
         <p:nvSpPr>
-          <p:cNvPr id="497" name="Google Shape;497;gcc36a7bfbb_0_0:notes"/>
+          <p:cNvPr id="498" name="Google Shape;498;gcc36a7bfbb_0_0:notes"/>
           <p:cNvSpPr txBox="1"/>
           <p:nvPr>
             <p:ph idx="1" type="body"/>
@@ -3011,7 +3011,7 @@
   <p:cSld>
     <p:spTree>
       <p:nvGrpSpPr>
-        <p:cNvPr id="519" name="Shape 519"/>
+        <p:cNvPr id="520" name="Shape 520"/>
         <p:cNvGrpSpPr/>
         <p:nvPr/>
       </p:nvGrpSpPr>
@@ -3025,7 +3025,7 @@
       </p:grpSpPr>
       <p:sp>
         <p:nvSpPr>
-          <p:cNvPr id="520" name="Google Shape;520;gcc36a7bf2d_0_0:notes"/>
+          <p:cNvPr id="521" name="Google Shape;521;gcc36a7bf2d_0_0:notes"/>
           <p:cNvSpPr/>
           <p:nvPr>
             <p:ph idx="2" type="sldImg"/>
@@ -3060,7 +3060,7 @@
       </p:sp>
       <p:sp>
         <p:nvSpPr>
-          <p:cNvPr id="521" name="Google Shape;521;gcc36a7bf2d_0_0:notes"/>
+          <p:cNvPr id="522" name="Google Shape;522;gcc36a7bf2d_0_0:notes"/>
           <p:cNvSpPr txBox="1"/>
           <p:nvPr>
             <p:ph idx="1" type="body"/>
@@ -3110,7 +3110,7 @@
   <p:cSld>
     <p:spTree>
       <p:nvGrpSpPr>
-        <p:cNvPr id="543" name="Shape 543"/>
+        <p:cNvPr id="544" name="Shape 544"/>
         <p:cNvGrpSpPr/>
         <p:nvPr/>
       </p:nvGrpSpPr>
@@ -3124,7 +3124,7 @@
       </p:grpSpPr>
       <p:sp>
         <p:nvSpPr>
-          <p:cNvPr id="544" name="Google Shape;544;gcc36a7bfbb_0_25:notes"/>
+          <p:cNvPr id="545" name="Google Shape;545;gcc36a7bfbb_0_25:notes"/>
           <p:cNvSpPr/>
           <p:nvPr>
             <p:ph idx="2" type="sldImg"/>
@@ -3159,7 +3159,7 @@
       </p:sp>
       <p:sp>
         <p:nvSpPr>
-          <p:cNvPr id="545" name="Google Shape;545;gcc36a7bfbb_0_25:notes"/>
+          <p:cNvPr id="546" name="Google Shape;546;gcc36a7bfbb_0_25:notes"/>
           <p:cNvSpPr txBox="1"/>
           <p:nvPr>
             <p:ph idx="1" type="body"/>
@@ -3209,7 +3209,7 @@
   <p:cSld>
     <p:spTree>
       <p:nvGrpSpPr>
-        <p:cNvPr id="550" name="Shape 550"/>
+        <p:cNvPr id="551" name="Shape 551"/>
         <p:cNvGrpSpPr/>
         <p:nvPr/>
       </p:nvGrpSpPr>
@@ -3223,7 +3223,7 @@
       </p:grpSpPr>
       <p:sp>
         <p:nvSpPr>
-          <p:cNvPr id="551" name="Google Shape;551;gc41c379743_0_47:notes"/>
+          <p:cNvPr id="552" name="Google Shape;552;gc41c379743_0_47:notes"/>
           <p:cNvSpPr/>
           <p:nvPr>
             <p:ph idx="2" type="sldImg"/>
@@ -3258,7 +3258,7 @@
       </p:sp>
       <p:sp>
         <p:nvSpPr>
-          <p:cNvPr id="552" name="Google Shape;552;gc41c379743_0_47:notes"/>
+          <p:cNvPr id="553" name="Google Shape;553;gc41c379743_0_47:notes"/>
           <p:cNvSpPr txBox="1"/>
           <p:nvPr>
             <p:ph idx="1" type="body"/>
@@ -3308,7 +3308,7 @@
   <p:cSld>
     <p:spTree>
       <p:nvGrpSpPr>
-        <p:cNvPr id="557" name="Shape 557"/>
+        <p:cNvPr id="558" name="Shape 558"/>
         <p:cNvGrpSpPr/>
         <p:nvPr/>
       </p:nvGrpSpPr>
@@ -3322,7 +3322,7 @@
       </p:grpSpPr>
       <p:sp>
         <p:nvSpPr>
-          <p:cNvPr id="558" name="Google Shape;558;gc41c379743_0_54:notes"/>
+          <p:cNvPr id="559" name="Google Shape;559;gc41c379743_0_54:notes"/>
           <p:cNvSpPr/>
           <p:nvPr>
             <p:ph idx="2" type="sldImg"/>
@@ -3357,7 +3357,7 @@
       </p:sp>
       <p:sp>
         <p:nvSpPr>
-          <p:cNvPr id="559" name="Google Shape;559;gc41c379743_0_54:notes"/>
+          <p:cNvPr id="560" name="Google Shape;560;gc41c379743_0_54:notes"/>
           <p:cNvSpPr txBox="1"/>
           <p:nvPr>
             <p:ph idx="1" type="body"/>
@@ -13502,6 +13502,66 @@
           </a:p>
         </p:txBody>
       </p:sp>
+      <p:sp>
+        <p:nvSpPr>
+          <p:cNvPr id="293" name="Google Shape;293;p28"/>
+          <p:cNvSpPr txBox="1"/>
+          <p:nvPr/>
+        </p:nvSpPr>
+        <p:spPr>
+          <a:xfrm>
+            <a:off x="1576725" y="1743313"/>
+            <a:ext cx="5768700" cy="1881600"/>
+          </a:xfrm>
+          <a:prstGeom prst="rect">
+            <a:avLst/>
+          </a:prstGeom>
+          <a:solidFill>
+            <a:srgbClr val="FFFF00"/>
+          </a:solidFill>
+          <a:ln cap="flat" cmpd="sng" w="9525">
+            <a:solidFill>
+              <a:srgbClr val="000000"/>
+            </a:solidFill>
+            <a:prstDash val="solid"/>
+            <a:round/>
+            <a:headEnd len="sm" w="sm" type="none"/>
+            <a:tailEnd len="sm" w="sm" type="none"/>
+          </a:ln>
+        </p:spPr>
+        <p:txBody>
+          <a:bodyPr anchorCtr="0" anchor="ctr" bIns="91425" lIns="91425" spcFirstLastPara="1" rIns="91425" wrap="square" tIns="91425">
+            <a:noAutofit/>
+          </a:bodyPr>
+          <a:lstStyle/>
+          <a:p>
+            <a:pPr indent="0" lvl="0" marL="0" rtl="0" algn="ctr">
+              <a:spcBef>
+                <a:spcPts val="0"/>
+              </a:spcBef>
+              <a:spcAft>
+                <a:spcPts val="0"/>
+              </a:spcAft>
+              <a:buNone/>
+            </a:pPr>
+            <a:r>
+              <a:rPr lang="en-GB" sz="4000">
+                <a:latin typeface="Average"/>
+                <a:ea typeface="Average"/>
+                <a:cs typeface="Average"/>
+                <a:sym typeface="Average"/>
+              </a:rPr>
+              <a:t>Draft</a:t>
+            </a:r>
+            <a:endParaRPr sz="4000">
+              <a:latin typeface="Average"/>
+              <a:ea typeface="Average"/>
+              <a:cs typeface="Average"/>
+              <a:sym typeface="Average"/>
+            </a:endParaRPr>
+          </a:p>
+        </p:txBody>
+      </p:sp>
     </p:spTree>
   </p:cSld>
   <p:clrMapOvr>
@@ -13515,7 +13575,7 @@
   <p:cSld>
     <p:spTree>
       <p:nvGrpSpPr>
-        <p:cNvPr id="296" name="Shape 296"/>
+        <p:cNvPr id="297" name="Shape 297"/>
         <p:cNvGrpSpPr/>
         <p:nvPr/>
       </p:nvGrpSpPr>
@@ -13529,7 +13589,7 @@
       </p:grpSpPr>
       <p:sp>
         <p:nvSpPr>
-          <p:cNvPr id="297" name="Google Shape;297;p29"/>
+          <p:cNvPr id="298" name="Google Shape;298;p29"/>
           <p:cNvSpPr txBox="1"/>
           <p:nvPr>
             <p:ph type="title"/>
@@ -13569,7 +13629,7 @@
       </p:sp>
       <p:sp>
         <p:nvSpPr>
-          <p:cNvPr id="298" name="Google Shape;298;p29"/>
+          <p:cNvPr id="299" name="Google Shape;299;p29"/>
           <p:cNvSpPr txBox="1"/>
           <p:nvPr>
             <p:ph idx="1" type="body"/>
@@ -13629,7 +13689,7 @@
       </p:sp>
       <p:sp>
         <p:nvSpPr>
-          <p:cNvPr id="299" name="Google Shape;299;p29"/>
+          <p:cNvPr id="300" name="Google Shape;300;p29"/>
           <p:cNvSpPr txBox="1"/>
           <p:nvPr>
             <p:ph idx="1" type="body"/>
@@ -13689,7 +13749,7 @@
       </p:sp>
       <p:sp>
         <p:nvSpPr>
-          <p:cNvPr id="300" name="Google Shape;300;p29"/>
+          <p:cNvPr id="301" name="Google Shape;301;p29"/>
           <p:cNvSpPr txBox="1"/>
           <p:nvPr>
             <p:ph idx="1" type="body"/>
@@ -13749,7 +13809,7 @@
       </p:sp>
       <p:sp>
         <p:nvSpPr>
-          <p:cNvPr id="301" name="Google Shape;301;p29"/>
+          <p:cNvPr id="302" name="Google Shape;302;p29"/>
           <p:cNvSpPr/>
           <p:nvPr/>
         </p:nvSpPr>
@@ -13800,7 +13860,7 @@
       </p:sp>
       <p:sp>
         <p:nvSpPr>
-          <p:cNvPr id="302" name="Google Shape;302;p29"/>
+          <p:cNvPr id="303" name="Google Shape;303;p29"/>
           <p:cNvSpPr/>
           <p:nvPr/>
         </p:nvSpPr>
@@ -13849,7 +13909,7 @@
       </p:sp>
       <p:sp>
         <p:nvSpPr>
-          <p:cNvPr id="303" name="Google Shape;303;p29"/>
+          <p:cNvPr id="304" name="Google Shape;304;p29"/>
           <p:cNvSpPr txBox="1"/>
           <p:nvPr>
             <p:ph idx="12" type="sldNum"/>
@@ -13905,7 +13965,7 @@
       </p:sp>
       <p:sp>
         <p:nvSpPr>
-          <p:cNvPr id="304" name="Google Shape;304;p29"/>
+          <p:cNvPr id="305" name="Google Shape;305;p29"/>
           <p:cNvSpPr/>
           <p:nvPr/>
         </p:nvSpPr>
@@ -13959,7 +14019,7 @@
       </p:sp>
       <p:sp>
         <p:nvSpPr>
-          <p:cNvPr id="305" name="Google Shape;305;p29"/>
+          <p:cNvPr id="306" name="Google Shape;306;p29"/>
           <p:cNvSpPr/>
           <p:nvPr/>
         </p:nvSpPr>
@@ -14004,7 +14064,7 @@
       </p:sp>
       <p:sp>
         <p:nvSpPr>
-          <p:cNvPr id="306" name="Google Shape;306;p29"/>
+          <p:cNvPr id="307" name="Google Shape;307;p29"/>
           <p:cNvSpPr/>
           <p:nvPr/>
         </p:nvSpPr>
@@ -14053,7 +14113,7 @@
       </p:sp>
       <p:sp>
         <p:nvSpPr>
-          <p:cNvPr id="307" name="Google Shape;307;p29"/>
+          <p:cNvPr id="308" name="Google Shape;308;p29"/>
           <p:cNvSpPr txBox="1"/>
           <p:nvPr/>
         </p:nvSpPr>
@@ -14103,7 +14163,7 @@
       </p:sp>
       <p:sp>
         <p:nvSpPr>
-          <p:cNvPr id="308" name="Google Shape;308;p29"/>
+          <p:cNvPr id="309" name="Google Shape;309;p29"/>
           <p:cNvSpPr/>
           <p:nvPr/>
         </p:nvSpPr>
@@ -14153,7 +14213,7 @@
       </p:sp>
       <p:cxnSp>
         <p:nvCxnSpPr>
-          <p:cNvPr id="309" name="Google Shape;309;p29"/>
+          <p:cNvPr id="310" name="Google Shape;310;p29"/>
           <p:cNvCxnSpPr/>
           <p:nvPr/>
         </p:nvCxnSpPr>
@@ -14190,7 +14250,7 @@
   <p:cSld>
     <p:spTree>
       <p:nvGrpSpPr>
-        <p:cNvPr id="313" name="Shape 313"/>
+        <p:cNvPr id="314" name="Shape 314"/>
         <p:cNvGrpSpPr/>
         <p:nvPr/>
       </p:nvGrpSpPr>
@@ -14204,7 +14264,7 @@
       </p:grpSpPr>
       <p:sp>
         <p:nvSpPr>
-          <p:cNvPr id="314" name="Google Shape;314;p30"/>
+          <p:cNvPr id="315" name="Google Shape;315;p30"/>
           <p:cNvSpPr txBox="1"/>
           <p:nvPr>
             <p:ph type="title"/>
@@ -14244,7 +14304,7 @@
       </p:sp>
       <p:sp>
         <p:nvSpPr>
-          <p:cNvPr id="315" name="Google Shape;315;p30"/>
+          <p:cNvPr id="316" name="Google Shape;316;p30"/>
           <p:cNvSpPr txBox="1"/>
           <p:nvPr>
             <p:ph idx="1" type="body"/>
@@ -14427,7 +14487,7 @@
       </p:sp>
       <p:sp>
         <p:nvSpPr>
-          <p:cNvPr id="316" name="Google Shape;316;p30"/>
+          <p:cNvPr id="317" name="Google Shape;317;p30"/>
           <p:cNvSpPr txBox="1"/>
           <p:nvPr>
             <p:ph idx="12" type="sldNum"/>
@@ -14494,7 +14554,7 @@
   <p:cSld>
     <p:spTree>
       <p:nvGrpSpPr>
-        <p:cNvPr id="320" name="Shape 320"/>
+        <p:cNvPr id="321" name="Shape 321"/>
         <p:cNvGrpSpPr/>
         <p:nvPr/>
       </p:nvGrpSpPr>
@@ -14508,7 +14568,7 @@
       </p:grpSpPr>
       <p:sp>
         <p:nvSpPr>
-          <p:cNvPr id="321" name="Google Shape;321;p31"/>
+          <p:cNvPr id="322" name="Google Shape;322;p31"/>
           <p:cNvSpPr txBox="1"/>
           <p:nvPr>
             <p:ph type="title"/>
@@ -14552,7 +14612,7 @@
       </p:sp>
       <p:sp>
         <p:nvSpPr>
-          <p:cNvPr id="322" name="Google Shape;322;p31"/>
+          <p:cNvPr id="323" name="Google Shape;323;p31"/>
           <p:cNvSpPr txBox="1"/>
           <p:nvPr>
             <p:ph idx="1" type="body"/>
@@ -14612,7 +14672,7 @@
       </p:sp>
       <p:sp>
         <p:nvSpPr>
-          <p:cNvPr id="323" name="Google Shape;323;p31"/>
+          <p:cNvPr id="324" name="Google Shape;324;p31"/>
           <p:cNvSpPr txBox="1"/>
           <p:nvPr>
             <p:ph idx="1" type="body"/>
@@ -14672,7 +14732,7 @@
       </p:sp>
       <p:sp>
         <p:nvSpPr>
-          <p:cNvPr id="324" name="Google Shape;324;p31"/>
+          <p:cNvPr id="325" name="Google Shape;325;p31"/>
           <p:cNvSpPr/>
           <p:nvPr/>
         </p:nvSpPr>
@@ -14726,7 +14786,7 @@
       </p:sp>
       <p:sp>
         <p:nvSpPr>
-          <p:cNvPr id="325" name="Google Shape;325;p31"/>
+          <p:cNvPr id="326" name="Google Shape;326;p31"/>
           <p:cNvSpPr txBox="1"/>
           <p:nvPr>
             <p:ph idx="1" type="body"/>
@@ -14786,7 +14846,7 @@
       </p:sp>
       <p:sp>
         <p:nvSpPr>
-          <p:cNvPr id="326" name="Google Shape;326;p31"/>
+          <p:cNvPr id="327" name="Google Shape;327;p31"/>
           <p:cNvSpPr/>
           <p:nvPr/>
         </p:nvSpPr>
@@ -14835,7 +14895,7 @@
       </p:sp>
       <p:sp>
         <p:nvSpPr>
-          <p:cNvPr id="327" name="Google Shape;327;p31"/>
+          <p:cNvPr id="328" name="Google Shape;328;p31"/>
           <p:cNvSpPr/>
           <p:nvPr/>
         </p:nvSpPr>
@@ -14886,7 +14946,7 @@
       </p:sp>
       <p:sp>
         <p:nvSpPr>
-          <p:cNvPr id="328" name="Google Shape;328;p31"/>
+          <p:cNvPr id="329" name="Google Shape;329;p31"/>
           <p:cNvSpPr/>
           <p:nvPr/>
         </p:nvSpPr>
@@ -14935,7 +14995,7 @@
       </p:sp>
       <p:sp>
         <p:nvSpPr>
-          <p:cNvPr id="329" name="Google Shape;329;p31"/>
+          <p:cNvPr id="330" name="Google Shape;330;p31"/>
           <p:cNvSpPr txBox="1"/>
           <p:nvPr>
             <p:ph idx="12" type="sldNum"/>
@@ -14991,7 +15051,7 @@
       </p:sp>
       <p:sp>
         <p:nvSpPr>
-          <p:cNvPr id="330" name="Google Shape;330;p31"/>
+          <p:cNvPr id="331" name="Google Shape;331;p31"/>
           <p:cNvSpPr/>
           <p:nvPr/>
         </p:nvSpPr>
@@ -15036,7 +15096,7 @@
       </p:sp>
       <p:sp>
         <p:nvSpPr>
-          <p:cNvPr id="331" name="Google Shape;331;p31"/>
+          <p:cNvPr id="332" name="Google Shape;332;p31"/>
           <p:cNvSpPr txBox="1"/>
           <p:nvPr/>
         </p:nvSpPr>
@@ -15086,7 +15146,7 @@
       </p:sp>
       <p:sp>
         <p:nvSpPr>
-          <p:cNvPr id="332" name="Google Shape;332;p31"/>
+          <p:cNvPr id="333" name="Google Shape;333;p31"/>
           <p:cNvSpPr/>
           <p:nvPr/>
         </p:nvSpPr>
@@ -15136,9 +15196,9 @@
       </p:sp>
       <p:cxnSp>
         <p:nvCxnSpPr>
-          <p:cNvPr id="333" name="Google Shape;333;p31"/>
+          <p:cNvPr id="334" name="Google Shape;334;p31"/>
           <p:cNvCxnSpPr>
-            <a:endCxn id="328" idx="3"/>
+            <a:endCxn id="329" idx="3"/>
           </p:cNvCxnSpPr>
           <p:nvPr/>
         </p:nvCxnSpPr>
@@ -15164,7 +15224,7 @@
       </p:cxnSp>
       <p:sp>
         <p:nvSpPr>
-          <p:cNvPr id="334" name="Google Shape;334;p31"/>
+          <p:cNvPr id="335" name="Google Shape;335;p31"/>
           <p:cNvSpPr/>
           <p:nvPr/>
         </p:nvSpPr>
@@ -15218,7 +15278,7 @@
       </p:sp>
       <p:sp>
         <p:nvSpPr>
-          <p:cNvPr id="335" name="Google Shape;335;p31"/>
+          <p:cNvPr id="336" name="Google Shape;336;p31"/>
           <p:cNvSpPr/>
           <p:nvPr/>
         </p:nvSpPr>
@@ -15272,7 +15332,7 @@
       </p:sp>
       <p:sp>
         <p:nvSpPr>
-          <p:cNvPr id="336" name="Google Shape;336;p31"/>
+          <p:cNvPr id="337" name="Google Shape;337;p31"/>
           <p:cNvSpPr/>
           <p:nvPr/>
         </p:nvSpPr>
@@ -15326,7 +15386,7 @@
       </p:sp>
       <p:cxnSp>
         <p:nvCxnSpPr>
-          <p:cNvPr id="337" name="Google Shape;337;p31"/>
+          <p:cNvPr id="338" name="Google Shape;338;p31"/>
           <p:cNvCxnSpPr/>
           <p:nvPr/>
         </p:nvCxnSpPr>
@@ -15352,7 +15412,7 @@
       </p:cxnSp>
       <p:sp>
         <p:nvSpPr>
-          <p:cNvPr id="338" name="Google Shape;338;p31"/>
+          <p:cNvPr id="339" name="Google Shape;339;p31"/>
           <p:cNvSpPr txBox="1"/>
           <p:nvPr/>
         </p:nvSpPr>
@@ -16046,7 +16106,7 @@
   <p:cSld>
     <p:spTree>
       <p:nvGrpSpPr>
-        <p:cNvPr id="342" name="Shape 342"/>
+        <p:cNvPr id="343" name="Shape 343"/>
         <p:cNvGrpSpPr/>
         <p:nvPr/>
       </p:nvGrpSpPr>
@@ -16060,7 +16120,7 @@
       </p:grpSpPr>
       <p:sp>
         <p:nvSpPr>
-          <p:cNvPr id="343" name="Google Shape;343;p32"/>
+          <p:cNvPr id="344" name="Google Shape;344;p32"/>
           <p:cNvSpPr txBox="1"/>
           <p:nvPr>
             <p:ph type="title"/>
@@ -16100,7 +16160,7 @@
       </p:sp>
       <p:sp>
         <p:nvSpPr>
-          <p:cNvPr id="344" name="Google Shape;344;p32"/>
+          <p:cNvPr id="345" name="Google Shape;345;p32"/>
           <p:cNvSpPr txBox="1"/>
           <p:nvPr>
             <p:ph idx="1" type="body"/>
@@ -16307,7 +16367,7 @@
       </p:sp>
       <p:sp>
         <p:nvSpPr>
-          <p:cNvPr id="345" name="Google Shape;345;p32"/>
+          <p:cNvPr id="346" name="Google Shape;346;p32"/>
           <p:cNvSpPr txBox="1"/>
           <p:nvPr>
             <p:ph idx="12" type="sldNum"/>
@@ -16374,7 +16434,7 @@
   <p:cSld>
     <p:spTree>
       <p:nvGrpSpPr>
-        <p:cNvPr id="349" name="Shape 349"/>
+        <p:cNvPr id="350" name="Shape 350"/>
         <p:cNvGrpSpPr/>
         <p:nvPr/>
       </p:nvGrpSpPr>
@@ -16388,7 +16448,7 @@
       </p:grpSpPr>
       <p:sp>
         <p:nvSpPr>
-          <p:cNvPr id="350" name="Google Shape;350;p33"/>
+          <p:cNvPr id="351" name="Google Shape;351;p33"/>
           <p:cNvSpPr txBox="1"/>
           <p:nvPr>
             <p:ph idx="1" type="body"/>
@@ -16448,7 +16508,7 @@
       </p:sp>
       <p:sp>
         <p:nvSpPr>
-          <p:cNvPr id="351" name="Google Shape;351;p33"/>
+          <p:cNvPr id="352" name="Google Shape;352;p33"/>
           <p:cNvSpPr txBox="1"/>
           <p:nvPr>
             <p:ph type="title"/>
@@ -16488,7 +16548,7 @@
       </p:sp>
       <p:sp>
         <p:nvSpPr>
-          <p:cNvPr id="352" name="Google Shape;352;p33"/>
+          <p:cNvPr id="353" name="Google Shape;353;p33"/>
           <p:cNvSpPr/>
           <p:nvPr/>
         </p:nvSpPr>
@@ -16535,7 +16595,7 @@
       </p:sp>
       <p:sp>
         <p:nvSpPr>
-          <p:cNvPr id="353" name="Google Shape;353;p33"/>
+          <p:cNvPr id="354" name="Google Shape;354;p33"/>
           <p:cNvSpPr/>
           <p:nvPr/>
         </p:nvSpPr>
@@ -16584,7 +16644,7 @@
       </p:sp>
       <p:sp>
         <p:nvSpPr>
-          <p:cNvPr id="354" name="Google Shape;354;p33"/>
+          <p:cNvPr id="355" name="Google Shape;355;p33"/>
           <p:cNvSpPr/>
           <p:nvPr/>
         </p:nvSpPr>
@@ -16633,7 +16693,7 @@
       </p:sp>
       <p:sp>
         <p:nvSpPr>
-          <p:cNvPr id="355" name="Google Shape;355;p33"/>
+          <p:cNvPr id="356" name="Google Shape;356;p33"/>
           <p:cNvSpPr/>
           <p:nvPr/>
         </p:nvSpPr>
@@ -16683,7 +16743,7 @@
       </p:sp>
       <p:sp>
         <p:nvSpPr>
-          <p:cNvPr id="356" name="Google Shape;356;p33"/>
+          <p:cNvPr id="357" name="Google Shape;357;p33"/>
           <p:cNvSpPr/>
           <p:nvPr/>
         </p:nvSpPr>
@@ -16733,7 +16793,7 @@
       </p:sp>
       <p:sp>
         <p:nvSpPr>
-          <p:cNvPr id="357" name="Google Shape;357;p33"/>
+          <p:cNvPr id="358" name="Google Shape;358;p33"/>
           <p:cNvSpPr/>
           <p:nvPr/>
         </p:nvSpPr>
@@ -16783,7 +16843,7 @@
       </p:sp>
       <p:sp>
         <p:nvSpPr>
-          <p:cNvPr id="358" name="Google Shape;358;p33"/>
+          <p:cNvPr id="359" name="Google Shape;359;p33"/>
           <p:cNvSpPr txBox="1"/>
           <p:nvPr>
             <p:ph idx="12" type="sldNum"/>
@@ -16839,7 +16899,7 @@
       </p:sp>
       <p:sp>
         <p:nvSpPr>
-          <p:cNvPr id="359" name="Google Shape;359;p33"/>
+          <p:cNvPr id="360" name="Google Shape;360;p33"/>
           <p:cNvSpPr/>
           <p:nvPr/>
         </p:nvSpPr>
@@ -16889,7 +16949,7 @@
       </p:sp>
       <p:sp>
         <p:nvSpPr>
-          <p:cNvPr id="360" name="Google Shape;360;p33"/>
+          <p:cNvPr id="361" name="Google Shape;361;p33"/>
           <p:cNvSpPr/>
           <p:nvPr/>
         </p:nvSpPr>
@@ -16939,7 +16999,7 @@
       </p:sp>
       <p:sp>
         <p:nvSpPr>
-          <p:cNvPr id="361" name="Google Shape;361;p33"/>
+          <p:cNvPr id="362" name="Google Shape;362;p33"/>
           <p:cNvSpPr/>
           <p:nvPr/>
         </p:nvSpPr>
@@ -16989,7 +17049,7 @@
       </p:sp>
       <p:sp>
         <p:nvSpPr>
-          <p:cNvPr id="362" name="Google Shape;362;p33"/>
+          <p:cNvPr id="363" name="Google Shape;363;p33"/>
           <p:cNvSpPr/>
           <p:nvPr/>
         </p:nvSpPr>
@@ -17039,7 +17099,7 @@
       </p:sp>
       <p:sp>
         <p:nvSpPr>
-          <p:cNvPr id="363" name="Google Shape;363;p33"/>
+          <p:cNvPr id="364" name="Google Shape;364;p33"/>
           <p:cNvSpPr txBox="1"/>
           <p:nvPr/>
         </p:nvSpPr>
@@ -17091,7 +17151,7 @@
       </p:sp>
       <p:sp>
         <p:nvSpPr>
-          <p:cNvPr id="364" name="Google Shape;364;p33"/>
+          <p:cNvPr id="365" name="Google Shape;365;p33"/>
           <p:cNvSpPr txBox="1"/>
           <p:nvPr/>
         </p:nvSpPr>
@@ -17143,7 +17203,7 @@
       </p:sp>
       <p:sp>
         <p:nvSpPr>
-          <p:cNvPr id="365" name="Google Shape;365;p33"/>
+          <p:cNvPr id="366" name="Google Shape;366;p33"/>
           <p:cNvSpPr/>
           <p:nvPr/>
         </p:nvSpPr>
@@ -17195,10 +17255,10 @@
       </p:sp>
       <p:cxnSp>
         <p:nvCxnSpPr>
-          <p:cNvPr id="366" name="Google Shape;366;p33"/>
+          <p:cNvPr id="367" name="Google Shape;367;p33"/>
           <p:cNvCxnSpPr>
-            <a:stCxn id="357" idx="2"/>
-            <a:endCxn id="356" idx="0"/>
+            <a:stCxn id="358" idx="2"/>
+            <a:endCxn id="357" idx="0"/>
           </p:cNvCxnSpPr>
           <p:nvPr/>
         </p:nvCxnSpPr>
@@ -17224,7 +17284,7 @@
       </p:cxnSp>
       <p:cxnSp>
         <p:nvCxnSpPr>
-          <p:cNvPr id="367" name="Google Shape;367;p33"/>
+          <p:cNvPr id="368" name="Google Shape;368;p33"/>
           <p:cNvCxnSpPr/>
           <p:nvPr/>
         </p:nvCxnSpPr>
@@ -17250,7 +17310,7 @@
       </p:cxnSp>
       <p:cxnSp>
         <p:nvCxnSpPr>
-          <p:cNvPr id="368" name="Google Shape;368;p33"/>
+          <p:cNvPr id="369" name="Google Shape;369;p33"/>
           <p:cNvCxnSpPr/>
           <p:nvPr/>
         </p:nvCxnSpPr>
@@ -17276,9 +17336,9 @@
       </p:cxnSp>
       <p:cxnSp>
         <p:nvCxnSpPr>
-          <p:cNvPr id="369" name="Google Shape;369;p33"/>
+          <p:cNvPr id="370" name="Google Shape;370;p33"/>
           <p:cNvCxnSpPr>
-            <a:endCxn id="362" idx="3"/>
+            <a:endCxn id="363" idx="3"/>
           </p:cNvCxnSpPr>
           <p:nvPr/>
         </p:nvCxnSpPr>
@@ -17304,7 +17364,7 @@
       </p:cxnSp>
       <p:cxnSp>
         <p:nvCxnSpPr>
-          <p:cNvPr id="370" name="Google Shape;370;p33"/>
+          <p:cNvPr id="371" name="Google Shape;371;p33"/>
           <p:cNvCxnSpPr/>
           <p:nvPr/>
         </p:nvCxnSpPr>
@@ -17330,9 +17390,9 @@
       </p:cxnSp>
       <p:cxnSp>
         <p:nvCxnSpPr>
-          <p:cNvPr id="371" name="Google Shape;371;p33"/>
+          <p:cNvPr id="372" name="Google Shape;372;p33"/>
           <p:cNvCxnSpPr>
-            <a:stCxn id="360" idx="2"/>
+            <a:stCxn id="361" idx="2"/>
           </p:cNvCxnSpPr>
           <p:nvPr/>
         </p:nvCxnSpPr>
@@ -17358,9 +17418,9 @@
       </p:cxnSp>
       <p:cxnSp>
         <p:nvCxnSpPr>
-          <p:cNvPr id="372" name="Google Shape;372;p33"/>
+          <p:cNvPr id="373" name="Google Shape;373;p33"/>
           <p:cNvCxnSpPr>
-            <a:stCxn id="359" idx="2"/>
+            <a:stCxn id="360" idx="2"/>
           </p:cNvCxnSpPr>
           <p:nvPr/>
         </p:nvCxnSpPr>
@@ -17386,9 +17446,9 @@
       </p:cxnSp>
       <p:cxnSp>
         <p:nvCxnSpPr>
-          <p:cNvPr id="373" name="Google Shape;373;p33"/>
+          <p:cNvPr id="374" name="Google Shape;374;p33"/>
           <p:cNvCxnSpPr>
-            <a:stCxn id="356" idx="2"/>
+            <a:stCxn id="357" idx="2"/>
           </p:cNvCxnSpPr>
           <p:nvPr/>
         </p:nvCxnSpPr>
@@ -17414,7 +17474,7 @@
       </p:cxnSp>
       <p:sp>
         <p:nvSpPr>
-          <p:cNvPr id="374" name="Google Shape;374;p33"/>
+          <p:cNvPr id="375" name="Google Shape;375;p33"/>
           <p:cNvSpPr/>
           <p:nvPr/>
         </p:nvSpPr>
@@ -17466,7 +17526,7 @@
       </p:sp>
       <p:sp>
         <p:nvSpPr>
-          <p:cNvPr id="375" name="Google Shape;375;p33"/>
+          <p:cNvPr id="376" name="Google Shape;376;p33"/>
           <p:cNvSpPr/>
           <p:nvPr/>
         </p:nvSpPr>
@@ -17518,9 +17578,9 @@
       </p:sp>
       <p:cxnSp>
         <p:nvCxnSpPr>
-          <p:cNvPr id="376" name="Google Shape;376;p33"/>
+          <p:cNvPr id="377" name="Google Shape;377;p33"/>
           <p:cNvCxnSpPr>
-            <a:stCxn id="374" idx="1"/>
+            <a:stCxn id="375" idx="1"/>
           </p:cNvCxnSpPr>
           <p:nvPr/>
         </p:nvCxnSpPr>
@@ -17546,9 +17606,9 @@
       </p:cxnSp>
       <p:cxnSp>
         <p:nvCxnSpPr>
-          <p:cNvPr id="377" name="Google Shape;377;p33"/>
+          <p:cNvPr id="378" name="Google Shape;378;p33"/>
           <p:cNvCxnSpPr>
-            <a:stCxn id="375" idx="1"/>
+            <a:stCxn id="376" idx="1"/>
           </p:cNvCxnSpPr>
           <p:nvPr/>
         </p:nvCxnSpPr>
@@ -17574,7 +17634,7 @@
       </p:cxnSp>
       <p:sp>
         <p:nvSpPr>
-          <p:cNvPr id="378" name="Google Shape;378;p33"/>
+          <p:cNvPr id="379" name="Google Shape;379;p33"/>
           <p:cNvSpPr/>
           <p:nvPr/>
         </p:nvSpPr>
@@ -17634,10 +17694,10 @@
       </p:sp>
       <p:cxnSp>
         <p:nvCxnSpPr>
-          <p:cNvPr id="379" name="Google Shape;379;p33"/>
+          <p:cNvPr id="380" name="Google Shape;380;p33"/>
           <p:cNvCxnSpPr>
-            <a:stCxn id="378" idx="2"/>
-            <a:endCxn id="374" idx="0"/>
+            <a:stCxn id="379" idx="2"/>
+            <a:endCxn id="375" idx="0"/>
           </p:cNvCxnSpPr>
           <p:nvPr/>
         </p:nvCxnSpPr>
@@ -17663,7 +17723,7 @@
       </p:cxnSp>
       <p:sp>
         <p:nvSpPr>
-          <p:cNvPr id="380" name="Google Shape;380;p33"/>
+          <p:cNvPr id="381" name="Google Shape;381;p33"/>
           <p:cNvSpPr txBox="1"/>
           <p:nvPr/>
         </p:nvSpPr>
@@ -17715,7 +17775,7 @@
       </p:sp>
       <p:sp>
         <p:nvSpPr>
-          <p:cNvPr id="381" name="Google Shape;381;p33"/>
+          <p:cNvPr id="382" name="Google Shape;382;p33"/>
           <p:cNvSpPr/>
           <p:nvPr/>
         </p:nvSpPr>
@@ -17800,7 +17860,7 @@
       </p:sp>
       <p:sp>
         <p:nvSpPr>
-          <p:cNvPr id="382" name="Google Shape;382;p33"/>
+          <p:cNvPr id="383" name="Google Shape;383;p33"/>
           <p:cNvSpPr/>
           <p:nvPr/>
         </p:nvSpPr>
@@ -17865,7 +17925,7 @@
   <p:cSld>
     <p:spTree>
       <p:nvGrpSpPr>
-        <p:cNvPr id="386" name="Shape 386"/>
+        <p:cNvPr id="387" name="Shape 387"/>
         <p:cNvGrpSpPr/>
         <p:nvPr/>
       </p:nvGrpSpPr>
@@ -17879,7 +17939,7 @@
       </p:grpSpPr>
       <p:sp>
         <p:nvSpPr>
-          <p:cNvPr id="387" name="Google Shape;387;p34"/>
+          <p:cNvPr id="388" name="Google Shape;388;p34"/>
           <p:cNvSpPr txBox="1"/>
           <p:nvPr>
             <p:ph idx="1" type="body"/>
@@ -17939,7 +17999,7 @@
       </p:sp>
       <p:sp>
         <p:nvSpPr>
-          <p:cNvPr id="388" name="Google Shape;388;p34"/>
+          <p:cNvPr id="389" name="Google Shape;389;p34"/>
           <p:cNvSpPr txBox="1"/>
           <p:nvPr>
             <p:ph type="title"/>
@@ -17979,7 +18039,7 @@
       </p:sp>
       <p:sp>
         <p:nvSpPr>
-          <p:cNvPr id="389" name="Google Shape;389;p34"/>
+          <p:cNvPr id="390" name="Google Shape;390;p34"/>
           <p:cNvSpPr txBox="1"/>
           <p:nvPr>
             <p:ph idx="12" type="sldNum"/>
@@ -18035,7 +18095,7 @@
       </p:sp>
       <p:sp>
         <p:nvSpPr>
-          <p:cNvPr id="390" name="Google Shape;390;p34"/>
+          <p:cNvPr id="391" name="Google Shape;391;p34"/>
           <p:cNvSpPr/>
           <p:nvPr/>
         </p:nvSpPr>
@@ -18085,7 +18145,7 @@
       </p:sp>
       <p:sp>
         <p:nvSpPr>
-          <p:cNvPr id="391" name="Google Shape;391;p34"/>
+          <p:cNvPr id="392" name="Google Shape;392;p34"/>
           <p:cNvSpPr/>
           <p:nvPr/>
         </p:nvSpPr>
@@ -18137,7 +18197,7 @@
       </p:sp>
       <p:sp>
         <p:nvSpPr>
-          <p:cNvPr id="392" name="Google Shape;392;p34"/>
+          <p:cNvPr id="393" name="Google Shape;393;p34"/>
           <p:cNvSpPr/>
           <p:nvPr/>
         </p:nvSpPr>
@@ -18189,10 +18249,10 @@
       </p:sp>
       <p:cxnSp>
         <p:nvCxnSpPr>
-          <p:cNvPr id="393" name="Google Shape;393;p34"/>
+          <p:cNvPr id="394" name="Google Shape;394;p34"/>
           <p:cNvCxnSpPr>
-            <a:stCxn id="391" idx="2"/>
-            <a:endCxn id="390" idx="0"/>
+            <a:stCxn id="392" idx="2"/>
+            <a:endCxn id="391" idx="0"/>
           </p:cNvCxnSpPr>
           <p:nvPr/>
         </p:nvCxnSpPr>
@@ -18218,10 +18278,10 @@
       </p:cxnSp>
       <p:cxnSp>
         <p:nvCxnSpPr>
-          <p:cNvPr id="394" name="Google Shape;394;p34"/>
+          <p:cNvPr id="395" name="Google Shape;395;p34"/>
           <p:cNvCxnSpPr>
-            <a:stCxn id="392" idx="0"/>
-            <a:endCxn id="390" idx="2"/>
+            <a:stCxn id="393" idx="0"/>
+            <a:endCxn id="391" idx="2"/>
           </p:cNvCxnSpPr>
           <p:nvPr/>
         </p:nvCxnSpPr>
@@ -18247,7 +18307,7 @@
       </p:cxnSp>
       <p:sp>
         <p:nvSpPr>
-          <p:cNvPr id="395" name="Google Shape;395;p34"/>
+          <p:cNvPr id="396" name="Google Shape;396;p34"/>
           <p:cNvSpPr/>
           <p:nvPr/>
         </p:nvSpPr>
@@ -18307,10 +18367,10 @@
       </p:sp>
       <p:cxnSp>
         <p:nvCxnSpPr>
-          <p:cNvPr id="396" name="Google Shape;396;p34"/>
+          <p:cNvPr id="397" name="Google Shape;397;p34"/>
           <p:cNvCxnSpPr>
-            <a:stCxn id="395" idx="2"/>
-            <a:endCxn id="391" idx="0"/>
+            <a:stCxn id="396" idx="2"/>
+            <a:endCxn id="392" idx="0"/>
           </p:cNvCxnSpPr>
           <p:nvPr/>
         </p:nvCxnSpPr>
@@ -18347,7 +18407,7 @@
   <p:cSld>
     <p:spTree>
       <p:nvGrpSpPr>
-        <p:cNvPr id="400" name="Shape 400"/>
+        <p:cNvPr id="401" name="Shape 401"/>
         <p:cNvGrpSpPr/>
         <p:nvPr/>
       </p:nvGrpSpPr>
@@ -18361,7 +18421,7 @@
       </p:grpSpPr>
       <p:sp>
         <p:nvSpPr>
-          <p:cNvPr id="401" name="Google Shape;401;p35"/>
+          <p:cNvPr id="402" name="Google Shape;402;p35"/>
           <p:cNvSpPr txBox="1"/>
           <p:nvPr>
             <p:ph idx="1" type="body"/>
@@ -18421,7 +18481,7 @@
       </p:sp>
       <p:sp>
         <p:nvSpPr>
-          <p:cNvPr id="402" name="Google Shape;402;p35"/>
+          <p:cNvPr id="403" name="Google Shape;403;p35"/>
           <p:cNvSpPr txBox="1"/>
           <p:nvPr>
             <p:ph type="title"/>
@@ -18461,7 +18521,7 @@
       </p:sp>
       <p:sp>
         <p:nvSpPr>
-          <p:cNvPr id="403" name="Google Shape;403;p35"/>
+          <p:cNvPr id="404" name="Google Shape;404;p35"/>
           <p:cNvSpPr txBox="1"/>
           <p:nvPr>
             <p:ph idx="12" type="sldNum"/>
@@ -18517,7 +18577,7 @@
       </p:sp>
       <p:sp>
         <p:nvSpPr>
-          <p:cNvPr id="404" name="Google Shape;404;p35"/>
+          <p:cNvPr id="405" name="Google Shape;405;p35"/>
           <p:cNvSpPr/>
           <p:nvPr/>
         </p:nvSpPr>
@@ -18567,7 +18627,7 @@
       </p:sp>
       <p:sp>
         <p:nvSpPr>
-          <p:cNvPr id="405" name="Google Shape;405;p35"/>
+          <p:cNvPr id="406" name="Google Shape;406;p35"/>
           <p:cNvSpPr/>
           <p:nvPr/>
         </p:nvSpPr>
@@ -18619,7 +18679,7 @@
       </p:sp>
       <p:sp>
         <p:nvSpPr>
-          <p:cNvPr id="406" name="Google Shape;406;p35"/>
+          <p:cNvPr id="407" name="Google Shape;407;p35"/>
           <p:cNvSpPr/>
           <p:nvPr/>
         </p:nvSpPr>
@@ -18671,10 +18731,10 @@
       </p:sp>
       <p:cxnSp>
         <p:nvCxnSpPr>
-          <p:cNvPr id="407" name="Google Shape;407;p35"/>
+          <p:cNvPr id="408" name="Google Shape;408;p35"/>
           <p:cNvCxnSpPr>
-            <a:stCxn id="405" idx="2"/>
-            <a:endCxn id="408" idx="0"/>
+            <a:stCxn id="406" idx="2"/>
+            <a:endCxn id="409" idx="0"/>
           </p:cNvCxnSpPr>
           <p:nvPr/>
         </p:nvCxnSpPr>
@@ -18700,10 +18760,10 @@
       </p:cxnSp>
       <p:cxnSp>
         <p:nvCxnSpPr>
-          <p:cNvPr id="409" name="Google Shape;409;p35"/>
+          <p:cNvPr id="410" name="Google Shape;410;p35"/>
           <p:cNvCxnSpPr>
-            <a:stCxn id="406" idx="0"/>
-            <a:endCxn id="404" idx="2"/>
+            <a:stCxn id="407" idx="0"/>
+            <a:endCxn id="405" idx="2"/>
           </p:cNvCxnSpPr>
           <p:nvPr/>
         </p:nvCxnSpPr>
@@ -18729,7 +18789,7 @@
       </p:cxnSp>
       <p:sp>
         <p:nvSpPr>
-          <p:cNvPr id="410" name="Google Shape;410;p35"/>
+          <p:cNvPr id="411" name="Google Shape;411;p35"/>
           <p:cNvSpPr/>
           <p:nvPr/>
         </p:nvSpPr>
@@ -18789,10 +18849,10 @@
       </p:sp>
       <p:cxnSp>
         <p:nvCxnSpPr>
-          <p:cNvPr id="411" name="Google Shape;411;p35"/>
+          <p:cNvPr id="412" name="Google Shape;412;p35"/>
           <p:cNvCxnSpPr>
-            <a:stCxn id="410" idx="2"/>
-            <a:endCxn id="405" idx="0"/>
+            <a:stCxn id="411" idx="2"/>
+            <a:endCxn id="406" idx="0"/>
           </p:cNvCxnSpPr>
           <p:nvPr/>
         </p:nvCxnSpPr>
@@ -18818,7 +18878,7 @@
       </p:cxnSp>
       <p:sp>
         <p:nvSpPr>
-          <p:cNvPr id="408" name="Google Shape;408;p35"/>
+          <p:cNvPr id="409" name="Google Shape;409;p35"/>
           <p:cNvSpPr/>
           <p:nvPr/>
         </p:nvSpPr>
@@ -18868,10 +18928,10 @@
       </p:sp>
       <p:cxnSp>
         <p:nvCxnSpPr>
-          <p:cNvPr id="412" name="Google Shape;412;p35"/>
+          <p:cNvPr id="413" name="Google Shape;413;p35"/>
           <p:cNvCxnSpPr>
-            <a:stCxn id="408" idx="1"/>
-            <a:endCxn id="404" idx="3"/>
+            <a:stCxn id="409" idx="1"/>
+            <a:endCxn id="405" idx="3"/>
           </p:cNvCxnSpPr>
           <p:nvPr/>
         </p:nvCxnSpPr>
@@ -18908,7 +18968,7 @@
   <p:cSld>
     <p:spTree>
       <p:nvGrpSpPr>
-        <p:cNvPr id="416" name="Shape 416"/>
+        <p:cNvPr id="417" name="Shape 417"/>
         <p:cNvGrpSpPr/>
         <p:nvPr/>
       </p:nvGrpSpPr>
@@ -18922,7 +18982,7 @@
       </p:grpSpPr>
       <p:sp>
         <p:nvSpPr>
-          <p:cNvPr id="417" name="Google Shape;417;p36"/>
+          <p:cNvPr id="418" name="Google Shape;418;p36"/>
           <p:cNvSpPr txBox="1"/>
           <p:nvPr>
             <p:ph idx="1" type="body"/>
@@ -18982,7 +19042,7 @@
       </p:sp>
       <p:sp>
         <p:nvSpPr>
-          <p:cNvPr id="418" name="Google Shape;418;p36"/>
+          <p:cNvPr id="419" name="Google Shape;419;p36"/>
           <p:cNvSpPr txBox="1"/>
           <p:nvPr>
             <p:ph type="title"/>
@@ -19022,7 +19082,7 @@
       </p:sp>
       <p:sp>
         <p:nvSpPr>
-          <p:cNvPr id="419" name="Google Shape;419;p36"/>
+          <p:cNvPr id="420" name="Google Shape;420;p36"/>
           <p:cNvSpPr txBox="1"/>
           <p:nvPr>
             <p:ph idx="12" type="sldNum"/>
@@ -19078,7 +19138,7 @@
       </p:sp>
       <p:sp>
         <p:nvSpPr>
-          <p:cNvPr id="420" name="Google Shape;420;p36"/>
+          <p:cNvPr id="421" name="Google Shape;421;p36"/>
           <p:cNvSpPr/>
           <p:nvPr/>
         </p:nvSpPr>
@@ -19128,7 +19188,7 @@
       </p:sp>
       <p:sp>
         <p:nvSpPr>
-          <p:cNvPr id="421" name="Google Shape;421;p36"/>
+          <p:cNvPr id="422" name="Google Shape;422;p36"/>
           <p:cNvSpPr/>
           <p:nvPr/>
         </p:nvSpPr>
@@ -19180,7 +19240,7 @@
       </p:sp>
       <p:sp>
         <p:nvSpPr>
-          <p:cNvPr id="422" name="Google Shape;422;p36"/>
+          <p:cNvPr id="423" name="Google Shape;423;p36"/>
           <p:cNvSpPr/>
           <p:nvPr/>
         </p:nvSpPr>
@@ -19232,10 +19292,10 @@
       </p:sp>
       <p:cxnSp>
         <p:nvCxnSpPr>
-          <p:cNvPr id="423" name="Google Shape;423;p36"/>
+          <p:cNvPr id="424" name="Google Shape;424;p36"/>
           <p:cNvCxnSpPr>
-            <a:stCxn id="421" idx="2"/>
-            <a:endCxn id="424" idx="0"/>
+            <a:stCxn id="422" idx="2"/>
+            <a:endCxn id="425" idx="0"/>
           </p:cNvCxnSpPr>
           <p:nvPr/>
         </p:nvCxnSpPr>
@@ -19261,10 +19321,10 @@
       </p:cxnSp>
       <p:cxnSp>
         <p:nvCxnSpPr>
-          <p:cNvPr id="425" name="Google Shape;425;p36"/>
+          <p:cNvPr id="426" name="Google Shape;426;p36"/>
           <p:cNvCxnSpPr>
-            <a:stCxn id="422" idx="0"/>
-            <a:endCxn id="420" idx="2"/>
+            <a:stCxn id="423" idx="0"/>
+            <a:endCxn id="421" idx="2"/>
           </p:cNvCxnSpPr>
           <p:nvPr/>
         </p:nvCxnSpPr>
@@ -19290,7 +19350,7 @@
       </p:cxnSp>
       <p:sp>
         <p:nvSpPr>
-          <p:cNvPr id="426" name="Google Shape;426;p36"/>
+          <p:cNvPr id="427" name="Google Shape;427;p36"/>
           <p:cNvSpPr/>
           <p:nvPr/>
         </p:nvSpPr>
@@ -19350,10 +19410,10 @@
       </p:sp>
       <p:cxnSp>
         <p:nvCxnSpPr>
-          <p:cNvPr id="427" name="Google Shape;427;p36"/>
+          <p:cNvPr id="428" name="Google Shape;428;p36"/>
           <p:cNvCxnSpPr>
-            <a:stCxn id="426" idx="0"/>
-            <a:endCxn id="422" idx="2"/>
+            <a:stCxn id="427" idx="0"/>
+            <a:endCxn id="423" idx="2"/>
           </p:cNvCxnSpPr>
           <p:nvPr/>
         </p:nvCxnSpPr>
@@ -19379,7 +19439,7 @@
       </p:cxnSp>
       <p:sp>
         <p:nvSpPr>
-          <p:cNvPr id="424" name="Google Shape;424;p36"/>
+          <p:cNvPr id="425" name="Google Shape;425;p36"/>
           <p:cNvSpPr/>
           <p:nvPr/>
         </p:nvSpPr>
@@ -19429,10 +19489,10 @@
       </p:sp>
       <p:cxnSp>
         <p:nvCxnSpPr>
-          <p:cNvPr id="428" name="Google Shape;428;p36"/>
+          <p:cNvPr id="429" name="Google Shape;429;p36"/>
           <p:cNvCxnSpPr>
-            <a:stCxn id="424" idx="1"/>
-            <a:endCxn id="420" idx="3"/>
+            <a:stCxn id="425" idx="1"/>
+            <a:endCxn id="421" idx="3"/>
           </p:cNvCxnSpPr>
           <p:nvPr/>
         </p:nvCxnSpPr>
@@ -19458,7 +19518,7 @@
       </p:cxnSp>
       <p:sp>
         <p:nvSpPr>
-          <p:cNvPr id="429" name="Google Shape;429;p36"/>
+          <p:cNvPr id="430" name="Google Shape;430;p36"/>
           <p:cNvSpPr/>
           <p:nvPr/>
         </p:nvSpPr>
@@ -19523,7 +19583,7 @@
   <p:cSld>
     <p:spTree>
       <p:nvGrpSpPr>
-        <p:cNvPr id="433" name="Shape 433"/>
+        <p:cNvPr id="434" name="Shape 434"/>
         <p:cNvGrpSpPr/>
         <p:nvPr/>
       </p:nvGrpSpPr>
@@ -19537,7 +19597,7 @@
       </p:grpSpPr>
       <p:sp>
         <p:nvSpPr>
-          <p:cNvPr id="434" name="Google Shape;434;p37"/>
+          <p:cNvPr id="435" name="Google Shape;435;p37"/>
           <p:cNvSpPr txBox="1"/>
           <p:nvPr>
             <p:ph idx="1" type="body"/>
@@ -19597,7 +19657,7 @@
       </p:sp>
       <p:sp>
         <p:nvSpPr>
-          <p:cNvPr id="435" name="Google Shape;435;p37"/>
+          <p:cNvPr id="436" name="Google Shape;436;p37"/>
           <p:cNvSpPr txBox="1"/>
           <p:nvPr>
             <p:ph type="title"/>
@@ -19637,7 +19697,7 @@
       </p:sp>
       <p:sp>
         <p:nvSpPr>
-          <p:cNvPr id="436" name="Google Shape;436;p37"/>
+          <p:cNvPr id="437" name="Google Shape;437;p37"/>
           <p:cNvSpPr txBox="1"/>
           <p:nvPr>
             <p:ph idx="12" type="sldNum"/>
@@ -19693,7 +19753,7 @@
       </p:sp>
       <p:sp>
         <p:nvSpPr>
-          <p:cNvPr id="437" name="Google Shape;437;p37"/>
+          <p:cNvPr id="438" name="Google Shape;438;p37"/>
           <p:cNvSpPr/>
           <p:nvPr/>
         </p:nvSpPr>
@@ -19743,7 +19803,7 @@
       </p:sp>
       <p:sp>
         <p:nvSpPr>
-          <p:cNvPr id="438" name="Google Shape;438;p37"/>
+          <p:cNvPr id="439" name="Google Shape;439;p37"/>
           <p:cNvSpPr/>
           <p:nvPr/>
         </p:nvSpPr>
@@ -19795,7 +19855,7 @@
       </p:sp>
       <p:sp>
         <p:nvSpPr>
-          <p:cNvPr id="439" name="Google Shape;439;p37"/>
+          <p:cNvPr id="440" name="Google Shape;440;p37"/>
           <p:cNvSpPr/>
           <p:nvPr/>
         </p:nvSpPr>
@@ -19847,10 +19907,10 @@
       </p:sp>
       <p:cxnSp>
         <p:nvCxnSpPr>
-          <p:cNvPr id="440" name="Google Shape;440;p37"/>
+          <p:cNvPr id="441" name="Google Shape;441;p37"/>
           <p:cNvCxnSpPr>
-            <a:stCxn id="438" idx="2"/>
-            <a:endCxn id="441" idx="0"/>
+            <a:stCxn id="439" idx="2"/>
+            <a:endCxn id="442" idx="0"/>
           </p:cNvCxnSpPr>
           <p:nvPr/>
         </p:nvCxnSpPr>
@@ -19876,10 +19936,10 @@
       </p:cxnSp>
       <p:cxnSp>
         <p:nvCxnSpPr>
-          <p:cNvPr id="442" name="Google Shape;442;p37"/>
+          <p:cNvPr id="443" name="Google Shape;443;p37"/>
           <p:cNvCxnSpPr>
-            <a:stCxn id="439" idx="0"/>
-            <a:endCxn id="443" idx="2"/>
+            <a:stCxn id="440" idx="0"/>
+            <a:endCxn id="444" idx="2"/>
           </p:cNvCxnSpPr>
           <p:nvPr/>
         </p:nvCxnSpPr>
@@ -19905,7 +19965,7 @@
       </p:cxnSp>
       <p:sp>
         <p:nvSpPr>
-          <p:cNvPr id="444" name="Google Shape;444;p37"/>
+          <p:cNvPr id="445" name="Google Shape;445;p37"/>
           <p:cNvSpPr/>
           <p:nvPr/>
         </p:nvSpPr>
@@ -19965,10 +20025,10 @@
       </p:sp>
       <p:cxnSp>
         <p:nvCxnSpPr>
-          <p:cNvPr id="445" name="Google Shape;445;p37"/>
+          <p:cNvPr id="446" name="Google Shape;446;p37"/>
           <p:cNvCxnSpPr>
-            <a:stCxn id="444" idx="0"/>
-            <a:endCxn id="439" idx="2"/>
+            <a:stCxn id="445" idx="0"/>
+            <a:endCxn id="440" idx="2"/>
           </p:cNvCxnSpPr>
           <p:nvPr/>
         </p:nvCxnSpPr>
@@ -19994,7 +20054,7 @@
       </p:cxnSp>
       <p:sp>
         <p:nvSpPr>
-          <p:cNvPr id="441" name="Google Shape;441;p37"/>
+          <p:cNvPr id="442" name="Google Shape;442;p37"/>
           <p:cNvSpPr/>
           <p:nvPr/>
         </p:nvSpPr>
@@ -20044,10 +20104,10 @@
       </p:sp>
       <p:cxnSp>
         <p:nvCxnSpPr>
-          <p:cNvPr id="446" name="Google Shape;446;p37"/>
+          <p:cNvPr id="447" name="Google Shape;447;p37"/>
           <p:cNvCxnSpPr>
-            <a:stCxn id="441" idx="1"/>
-            <a:endCxn id="437" idx="3"/>
+            <a:stCxn id="442" idx="1"/>
+            <a:endCxn id="438" idx="3"/>
           </p:cNvCxnSpPr>
           <p:nvPr/>
         </p:nvCxnSpPr>
@@ -20073,7 +20133,7 @@
       </p:cxnSp>
       <p:sp>
         <p:nvSpPr>
-          <p:cNvPr id="443" name="Google Shape;443;p37"/>
+          <p:cNvPr id="444" name="Google Shape;444;p37"/>
           <p:cNvSpPr/>
           <p:nvPr/>
         </p:nvSpPr>
@@ -20123,10 +20183,10 @@
       </p:sp>
       <p:cxnSp>
         <p:nvCxnSpPr>
-          <p:cNvPr id="447" name="Google Shape;447;p37"/>
+          <p:cNvPr id="448" name="Google Shape;448;p37"/>
           <p:cNvCxnSpPr>
-            <a:stCxn id="443" idx="1"/>
-            <a:endCxn id="437" idx="3"/>
+            <a:stCxn id="444" idx="1"/>
+            <a:endCxn id="438" idx="3"/>
           </p:cNvCxnSpPr>
           <p:nvPr/>
         </p:nvCxnSpPr>
@@ -20163,7 +20223,7 @@
   <p:cSld>
     <p:spTree>
       <p:nvGrpSpPr>
-        <p:cNvPr id="451" name="Shape 451"/>
+        <p:cNvPr id="452" name="Shape 452"/>
         <p:cNvGrpSpPr/>
         <p:nvPr/>
       </p:nvGrpSpPr>
@@ -20177,7 +20237,7 @@
       </p:grpSpPr>
       <p:sp>
         <p:nvSpPr>
-          <p:cNvPr id="452" name="Google Shape;452;p38"/>
+          <p:cNvPr id="453" name="Google Shape;453;p38"/>
           <p:cNvSpPr txBox="1"/>
           <p:nvPr>
             <p:ph idx="1" type="body"/>
@@ -20237,7 +20297,7 @@
       </p:sp>
       <p:sp>
         <p:nvSpPr>
-          <p:cNvPr id="453" name="Google Shape;453;p38"/>
+          <p:cNvPr id="454" name="Google Shape;454;p38"/>
           <p:cNvSpPr txBox="1"/>
           <p:nvPr>
             <p:ph type="title"/>
@@ -20277,7 +20337,7 @@
       </p:sp>
       <p:sp>
         <p:nvSpPr>
-          <p:cNvPr id="454" name="Google Shape;454;p38"/>
+          <p:cNvPr id="455" name="Google Shape;455;p38"/>
           <p:cNvSpPr txBox="1"/>
           <p:nvPr>
             <p:ph idx="12" type="sldNum"/>
@@ -20333,7 +20393,7 @@
       </p:sp>
       <p:sp>
         <p:nvSpPr>
-          <p:cNvPr id="455" name="Google Shape;455;p38"/>
+          <p:cNvPr id="456" name="Google Shape;456;p38"/>
           <p:cNvSpPr/>
           <p:nvPr/>
         </p:nvSpPr>
@@ -20383,7 +20443,7 @@
       </p:sp>
       <p:sp>
         <p:nvSpPr>
-          <p:cNvPr id="456" name="Google Shape;456;p38"/>
+          <p:cNvPr id="457" name="Google Shape;457;p38"/>
           <p:cNvSpPr/>
           <p:nvPr/>
         </p:nvSpPr>
@@ -20435,7 +20495,7 @@
       </p:sp>
       <p:sp>
         <p:nvSpPr>
-          <p:cNvPr id="457" name="Google Shape;457;p38"/>
+          <p:cNvPr id="458" name="Google Shape;458;p38"/>
           <p:cNvSpPr/>
           <p:nvPr/>
         </p:nvSpPr>
@@ -20487,10 +20547,10 @@
       </p:sp>
       <p:cxnSp>
         <p:nvCxnSpPr>
-          <p:cNvPr id="458" name="Google Shape;458;p38"/>
+          <p:cNvPr id="459" name="Google Shape;459;p38"/>
           <p:cNvCxnSpPr>
-            <a:stCxn id="456" idx="2"/>
-            <a:endCxn id="459" idx="0"/>
+            <a:stCxn id="457" idx="2"/>
+            <a:endCxn id="460" idx="0"/>
           </p:cNvCxnSpPr>
           <p:nvPr/>
         </p:nvCxnSpPr>
@@ -20516,10 +20576,10 @@
       </p:cxnSp>
       <p:cxnSp>
         <p:nvCxnSpPr>
-          <p:cNvPr id="460" name="Google Shape;460;p38"/>
+          <p:cNvPr id="461" name="Google Shape;461;p38"/>
           <p:cNvCxnSpPr>
-            <a:stCxn id="457" idx="0"/>
-            <a:endCxn id="461" idx="2"/>
+            <a:stCxn id="458" idx="0"/>
+            <a:endCxn id="462" idx="2"/>
           </p:cNvCxnSpPr>
           <p:nvPr/>
         </p:nvCxnSpPr>
@@ -20545,7 +20605,7 @@
       </p:cxnSp>
       <p:sp>
         <p:nvSpPr>
-          <p:cNvPr id="462" name="Google Shape;462;p38"/>
+          <p:cNvPr id="463" name="Google Shape;463;p38"/>
           <p:cNvSpPr/>
           <p:nvPr/>
         </p:nvSpPr>
@@ -20605,10 +20665,10 @@
       </p:sp>
       <p:cxnSp>
         <p:nvCxnSpPr>
-          <p:cNvPr id="463" name="Google Shape;463;p38"/>
+          <p:cNvPr id="464" name="Google Shape;464;p38"/>
           <p:cNvCxnSpPr>
-            <a:stCxn id="462" idx="0"/>
-            <a:endCxn id="457" idx="2"/>
+            <a:stCxn id="463" idx="0"/>
+            <a:endCxn id="458" idx="2"/>
           </p:cNvCxnSpPr>
           <p:nvPr/>
         </p:nvCxnSpPr>
@@ -20634,7 +20694,7 @@
       </p:cxnSp>
       <p:sp>
         <p:nvSpPr>
-          <p:cNvPr id="459" name="Google Shape;459;p38"/>
+          <p:cNvPr id="460" name="Google Shape;460;p38"/>
           <p:cNvSpPr/>
           <p:nvPr/>
         </p:nvSpPr>
@@ -20684,10 +20744,10 @@
       </p:sp>
       <p:cxnSp>
         <p:nvCxnSpPr>
-          <p:cNvPr id="464" name="Google Shape;464;p38"/>
+          <p:cNvPr id="465" name="Google Shape;465;p38"/>
           <p:cNvCxnSpPr>
-            <a:stCxn id="459" idx="1"/>
-            <a:endCxn id="455" idx="3"/>
+            <a:stCxn id="460" idx="1"/>
+            <a:endCxn id="456" idx="3"/>
           </p:cNvCxnSpPr>
           <p:nvPr/>
         </p:nvCxnSpPr>
@@ -20713,7 +20773,7 @@
       </p:cxnSp>
       <p:sp>
         <p:nvSpPr>
-          <p:cNvPr id="465" name="Google Shape;465;p38"/>
+          <p:cNvPr id="466" name="Google Shape;466;p38"/>
           <p:cNvSpPr/>
           <p:nvPr/>
         </p:nvSpPr>
@@ -20763,10 +20823,10 @@
       </p:sp>
       <p:cxnSp>
         <p:nvCxnSpPr>
-          <p:cNvPr id="466" name="Google Shape;466;p38"/>
+          <p:cNvPr id="467" name="Google Shape;467;p38"/>
           <p:cNvCxnSpPr>
-            <a:stCxn id="465" idx="1"/>
-            <a:endCxn id="455" idx="3"/>
+            <a:stCxn id="466" idx="1"/>
+            <a:endCxn id="456" idx="3"/>
           </p:cNvCxnSpPr>
           <p:nvPr/>
         </p:nvCxnSpPr>
@@ -20792,7 +20852,7 @@
       </p:cxnSp>
       <p:sp>
         <p:nvSpPr>
-          <p:cNvPr id="461" name="Google Shape;461;p38"/>
+          <p:cNvPr id="462" name="Google Shape;462;p38"/>
           <p:cNvSpPr/>
           <p:nvPr/>
         </p:nvSpPr>
@@ -20842,10 +20902,10 @@
       </p:sp>
       <p:cxnSp>
         <p:nvCxnSpPr>
-          <p:cNvPr id="467" name="Google Shape;467;p38"/>
+          <p:cNvPr id="468" name="Google Shape;468;p38"/>
           <p:cNvCxnSpPr>
-            <a:stCxn id="461" idx="1"/>
-            <a:endCxn id="465" idx="3"/>
+            <a:stCxn id="462" idx="1"/>
+            <a:endCxn id="466" idx="3"/>
           </p:cNvCxnSpPr>
           <p:nvPr/>
         </p:nvCxnSpPr>
@@ -20882,7 +20942,7 @@
   <p:cSld>
     <p:spTree>
       <p:nvGrpSpPr>
-        <p:cNvPr id="471" name="Shape 471"/>
+        <p:cNvPr id="472" name="Shape 472"/>
         <p:cNvGrpSpPr/>
         <p:nvPr/>
       </p:nvGrpSpPr>
@@ -20896,7 +20956,7 @@
       </p:grpSpPr>
       <p:sp>
         <p:nvSpPr>
-          <p:cNvPr id="472" name="Google Shape;472;p39"/>
+          <p:cNvPr id="473" name="Google Shape;473;p39"/>
           <p:cNvSpPr txBox="1"/>
           <p:nvPr>
             <p:ph idx="1" type="body"/>
@@ -20956,7 +21016,7 @@
       </p:sp>
       <p:sp>
         <p:nvSpPr>
-          <p:cNvPr id="473" name="Google Shape;473;p39"/>
+          <p:cNvPr id="474" name="Google Shape;474;p39"/>
           <p:cNvSpPr txBox="1"/>
           <p:nvPr>
             <p:ph type="title"/>
@@ -20996,7 +21056,7 @@
       </p:sp>
       <p:sp>
         <p:nvSpPr>
-          <p:cNvPr id="474" name="Google Shape;474;p39"/>
+          <p:cNvPr id="475" name="Google Shape;475;p39"/>
           <p:cNvSpPr txBox="1"/>
           <p:nvPr>
             <p:ph idx="12" type="sldNum"/>
@@ -21052,7 +21112,7 @@
       </p:sp>
       <p:sp>
         <p:nvSpPr>
-          <p:cNvPr id="475" name="Google Shape;475;p39"/>
+          <p:cNvPr id="476" name="Google Shape;476;p39"/>
           <p:cNvSpPr/>
           <p:nvPr/>
         </p:nvSpPr>
@@ -21102,7 +21162,7 @@
       </p:sp>
       <p:sp>
         <p:nvSpPr>
-          <p:cNvPr id="476" name="Google Shape;476;p39"/>
+          <p:cNvPr id="477" name="Google Shape;477;p39"/>
           <p:cNvSpPr/>
           <p:nvPr/>
         </p:nvSpPr>
@@ -21154,7 +21214,7 @@
       </p:sp>
       <p:sp>
         <p:nvSpPr>
-          <p:cNvPr id="477" name="Google Shape;477;p39"/>
+          <p:cNvPr id="478" name="Google Shape;478;p39"/>
           <p:cNvSpPr/>
           <p:nvPr/>
         </p:nvSpPr>
@@ -21206,10 +21266,10 @@
       </p:sp>
       <p:cxnSp>
         <p:nvCxnSpPr>
-          <p:cNvPr id="478" name="Google Shape;478;p39"/>
+          <p:cNvPr id="479" name="Google Shape;479;p39"/>
           <p:cNvCxnSpPr>
-            <a:stCxn id="476" idx="2"/>
-            <a:endCxn id="479" idx="0"/>
+            <a:stCxn id="477" idx="2"/>
+            <a:endCxn id="480" idx="0"/>
           </p:cNvCxnSpPr>
           <p:nvPr/>
         </p:nvCxnSpPr>
@@ -21235,10 +21295,10 @@
       </p:cxnSp>
       <p:cxnSp>
         <p:nvCxnSpPr>
-          <p:cNvPr id="480" name="Google Shape;480;p39"/>
+          <p:cNvPr id="481" name="Google Shape;481;p39"/>
           <p:cNvCxnSpPr>
-            <a:stCxn id="477" idx="0"/>
-            <a:endCxn id="481" idx="2"/>
+            <a:stCxn id="478" idx="0"/>
+            <a:endCxn id="482" idx="2"/>
           </p:cNvCxnSpPr>
           <p:nvPr/>
         </p:nvCxnSpPr>
@@ -21264,7 +21324,7 @@
       </p:cxnSp>
       <p:sp>
         <p:nvSpPr>
-          <p:cNvPr id="479" name="Google Shape;479;p39"/>
+          <p:cNvPr id="480" name="Google Shape;480;p39"/>
           <p:cNvSpPr/>
           <p:nvPr/>
         </p:nvSpPr>
@@ -21314,10 +21374,10 @@
       </p:sp>
       <p:cxnSp>
         <p:nvCxnSpPr>
-          <p:cNvPr id="482" name="Google Shape;482;p39"/>
+          <p:cNvPr id="483" name="Google Shape;483;p39"/>
           <p:cNvCxnSpPr>
-            <a:stCxn id="479" idx="1"/>
-            <a:endCxn id="475" idx="3"/>
+            <a:stCxn id="480" idx="1"/>
+            <a:endCxn id="476" idx="3"/>
           </p:cNvCxnSpPr>
           <p:nvPr/>
         </p:nvCxnSpPr>
@@ -21343,7 +21403,7 @@
       </p:cxnSp>
       <p:sp>
         <p:nvSpPr>
-          <p:cNvPr id="483" name="Google Shape;483;p39"/>
+          <p:cNvPr id="484" name="Google Shape;484;p39"/>
           <p:cNvSpPr/>
           <p:nvPr/>
         </p:nvSpPr>
@@ -21393,10 +21453,10 @@
       </p:sp>
       <p:cxnSp>
         <p:nvCxnSpPr>
-          <p:cNvPr id="484" name="Google Shape;484;p39"/>
+          <p:cNvPr id="485" name="Google Shape;485;p39"/>
           <p:cNvCxnSpPr>
-            <a:stCxn id="483" idx="1"/>
-            <a:endCxn id="475" idx="3"/>
+            <a:stCxn id="484" idx="1"/>
+            <a:endCxn id="476" idx="3"/>
           </p:cNvCxnSpPr>
           <p:nvPr/>
         </p:nvCxnSpPr>
@@ -21422,7 +21482,7 @@
       </p:cxnSp>
       <p:sp>
         <p:nvSpPr>
-          <p:cNvPr id="481" name="Google Shape;481;p39"/>
+          <p:cNvPr id="482" name="Google Shape;482;p39"/>
           <p:cNvSpPr/>
           <p:nvPr/>
         </p:nvSpPr>
@@ -21472,10 +21532,10 @@
       </p:sp>
       <p:cxnSp>
         <p:nvCxnSpPr>
-          <p:cNvPr id="485" name="Google Shape;485;p39"/>
+          <p:cNvPr id="486" name="Google Shape;486;p39"/>
           <p:cNvCxnSpPr>
-            <a:stCxn id="481" idx="1"/>
-            <a:endCxn id="483" idx="3"/>
+            <a:stCxn id="482" idx="1"/>
+            <a:endCxn id="484" idx="3"/>
           </p:cNvCxnSpPr>
           <p:nvPr/>
         </p:nvCxnSpPr>
@@ -21501,7 +21561,7 @@
       </p:cxnSp>
       <p:sp>
         <p:nvSpPr>
-          <p:cNvPr id="486" name="Google Shape;486;p39"/>
+          <p:cNvPr id="487" name="Google Shape;487;p39"/>
           <p:cNvSpPr/>
           <p:nvPr/>
         </p:nvSpPr>
@@ -21555,7 +21615,7 @@
       </p:sp>
       <p:sp>
         <p:nvSpPr>
-          <p:cNvPr id="487" name="Google Shape;487;p39"/>
+          <p:cNvPr id="488" name="Google Shape;488;p39"/>
           <p:cNvSpPr/>
           <p:nvPr/>
         </p:nvSpPr>
@@ -21620,7 +21680,7 @@
   <p:cSld>
     <p:spTree>
       <p:nvGrpSpPr>
-        <p:cNvPr id="491" name="Shape 491"/>
+        <p:cNvPr id="492" name="Shape 492"/>
         <p:cNvGrpSpPr/>
         <p:nvPr/>
       </p:nvGrpSpPr>
@@ -21634,7 +21694,7 @@
       </p:grpSpPr>
       <p:sp>
         <p:nvSpPr>
-          <p:cNvPr id="492" name="Google Shape;492;p40"/>
+          <p:cNvPr id="493" name="Google Shape;493;p40"/>
           <p:cNvSpPr txBox="1"/>
           <p:nvPr>
             <p:ph type="title"/>
@@ -21666,11 +21726,7 @@
             </a:pPr>
             <a:r>
               <a:rPr lang="en-GB"/>
-              <a:t>Create a new</a:t>
-            </a:r>
-            <a:r>
-              <a:rPr lang="en-GB"/>
-              <a:t> branch</a:t>
+              <a:t>Command “git branch”</a:t>
             </a:r>
             <a:endParaRPr/>
           </a:p>
@@ -21678,7 +21734,7 @@
       </p:sp>
       <p:sp>
         <p:nvSpPr>
-          <p:cNvPr id="493" name="Google Shape;493;p40"/>
+          <p:cNvPr id="494" name="Google Shape;494;p40"/>
           <p:cNvSpPr txBox="1"/>
           <p:nvPr>
             <p:ph idx="1" type="body"/>
@@ -21717,7 +21773,7 @@
       </p:sp>
       <p:sp>
         <p:nvSpPr>
-          <p:cNvPr id="494" name="Google Shape;494;p40"/>
+          <p:cNvPr id="495" name="Google Shape;495;p40"/>
           <p:cNvSpPr txBox="1"/>
           <p:nvPr>
             <p:ph idx="12" type="sldNum"/>
@@ -21768,7 +21824,7 @@
   <p:cSld>
     <p:spTree>
       <p:nvGrpSpPr>
-        <p:cNvPr id="498" name="Shape 498"/>
+        <p:cNvPr id="499" name="Shape 499"/>
         <p:cNvGrpSpPr/>
         <p:nvPr/>
       </p:nvGrpSpPr>
@@ -21782,7 +21838,7 @@
       </p:grpSpPr>
       <p:sp>
         <p:nvSpPr>
-          <p:cNvPr id="499" name="Google Shape;499;p41"/>
+          <p:cNvPr id="500" name="Google Shape;500;p41"/>
           <p:cNvSpPr txBox="1"/>
           <p:nvPr>
             <p:ph type="title"/>
@@ -21826,7 +21882,7 @@
       </p:sp>
       <p:sp>
         <p:nvSpPr>
-          <p:cNvPr id="500" name="Google Shape;500;p41"/>
+          <p:cNvPr id="501" name="Google Shape;501;p41"/>
           <p:cNvSpPr txBox="1"/>
           <p:nvPr>
             <p:ph idx="12" type="sldNum"/>
@@ -21866,7 +21922,7 @@
       </p:sp>
       <p:sp>
         <p:nvSpPr>
-          <p:cNvPr id="501" name="Google Shape;501;p41"/>
+          <p:cNvPr id="502" name="Google Shape;502;p41"/>
           <p:cNvSpPr/>
           <p:nvPr/>
         </p:nvSpPr>
@@ -21915,7 +21971,7 @@
       </p:sp>
       <p:sp>
         <p:nvSpPr>
-          <p:cNvPr id="502" name="Google Shape;502;p41"/>
+          <p:cNvPr id="503" name="Google Shape;503;p41"/>
           <p:cNvSpPr/>
           <p:nvPr/>
         </p:nvSpPr>
@@ -21965,7 +22021,7 @@
       </p:sp>
       <p:sp>
         <p:nvSpPr>
-          <p:cNvPr id="503" name="Google Shape;503;p41"/>
+          <p:cNvPr id="504" name="Google Shape;504;p41"/>
           <p:cNvSpPr txBox="1"/>
           <p:nvPr/>
         </p:nvSpPr>
@@ -22009,7 +22065,7 @@
       </p:sp>
       <p:sp>
         <p:nvSpPr>
-          <p:cNvPr id="504" name="Google Shape;504;p41"/>
+          <p:cNvPr id="505" name="Google Shape;505;p41"/>
           <p:cNvSpPr/>
           <p:nvPr/>
         </p:nvSpPr>
@@ -22058,7 +22114,7 @@
       </p:sp>
       <p:sp>
         <p:nvSpPr>
-          <p:cNvPr id="505" name="Google Shape;505;p41"/>
+          <p:cNvPr id="506" name="Google Shape;506;p41"/>
           <p:cNvSpPr/>
           <p:nvPr/>
         </p:nvSpPr>
@@ -22108,7 +22164,7 @@
       </p:sp>
       <p:pic>
         <p:nvPicPr>
-          <p:cNvPr id="506" name="Google Shape;506;p41"/>
+          <p:cNvPr id="507" name="Google Shape;507;p41"/>
           <p:cNvPicPr preferRelativeResize="0"/>
           <p:nvPr/>
         </p:nvPicPr>
@@ -22136,7 +22192,7 @@
       </p:pic>
       <p:sp>
         <p:nvSpPr>
-          <p:cNvPr id="507" name="Google Shape;507;p41"/>
+          <p:cNvPr id="508" name="Google Shape;508;p41"/>
           <p:cNvSpPr txBox="1"/>
           <p:nvPr/>
         </p:nvSpPr>
@@ -22178,7 +22234,7 @@
       </p:sp>
       <p:sp>
         <p:nvSpPr>
-          <p:cNvPr id="508" name="Google Shape;508;p41"/>
+          <p:cNvPr id="509" name="Google Shape;509;p41"/>
           <p:cNvSpPr/>
           <p:nvPr/>
         </p:nvSpPr>
@@ -22226,7 +22282,7 @@
       </p:sp>
       <p:sp>
         <p:nvSpPr>
-          <p:cNvPr id="509" name="Google Shape;509;p41"/>
+          <p:cNvPr id="510" name="Google Shape;510;p41"/>
           <p:cNvSpPr txBox="1"/>
           <p:nvPr/>
         </p:nvSpPr>
@@ -22270,7 +22326,7 @@
       </p:sp>
       <p:cxnSp>
         <p:nvCxnSpPr>
-          <p:cNvPr id="510" name="Google Shape;510;p41"/>
+          <p:cNvPr id="511" name="Google Shape;511;p41"/>
           <p:cNvCxnSpPr/>
           <p:nvPr/>
         </p:nvCxnSpPr>
@@ -22296,7 +22352,7 @@
       </p:cxnSp>
       <p:cxnSp>
         <p:nvCxnSpPr>
-          <p:cNvPr id="511" name="Google Shape;511;p41"/>
+          <p:cNvPr id="512" name="Google Shape;512;p41"/>
           <p:cNvCxnSpPr/>
           <p:nvPr/>
         </p:nvCxnSpPr>
@@ -22322,7 +22378,7 @@
       </p:cxnSp>
       <p:sp>
         <p:nvSpPr>
-          <p:cNvPr id="512" name="Google Shape;512;p41"/>
+          <p:cNvPr id="513" name="Google Shape;513;p41"/>
           <p:cNvSpPr txBox="1"/>
           <p:nvPr>
             <p:ph idx="12" type="sldNum"/>
@@ -22378,7 +22434,7 @@
       </p:sp>
       <p:sp>
         <p:nvSpPr>
-          <p:cNvPr id="513" name="Google Shape;513;p41"/>
+          <p:cNvPr id="514" name="Google Shape;514;p41"/>
           <p:cNvSpPr txBox="1"/>
           <p:nvPr/>
         </p:nvSpPr>
@@ -22436,7 +22492,7 @@
       </p:sp>
       <p:sp>
         <p:nvSpPr>
-          <p:cNvPr id="514" name="Google Shape;514;p41"/>
+          <p:cNvPr id="515" name="Google Shape;515;p41"/>
           <p:cNvSpPr txBox="1"/>
           <p:nvPr/>
         </p:nvSpPr>
@@ -22494,7 +22550,7 @@
       </p:sp>
       <p:sp>
         <p:nvSpPr>
-          <p:cNvPr id="515" name="Google Shape;515;p41"/>
+          <p:cNvPr id="516" name="Google Shape;516;p41"/>
           <p:cNvSpPr txBox="1"/>
           <p:nvPr/>
         </p:nvSpPr>
@@ -22552,7 +22608,7 @@
       </p:sp>
       <p:sp>
         <p:nvSpPr>
-          <p:cNvPr id="516" name="Google Shape;516;p41"/>
+          <p:cNvPr id="517" name="Google Shape;517;p41"/>
           <p:cNvSpPr txBox="1"/>
           <p:nvPr/>
         </p:nvSpPr>
@@ -22616,7 +22672,7 @@
       </p:sp>
       <p:sp>
         <p:nvSpPr>
-          <p:cNvPr id="517" name="Google Shape;517;p41"/>
+          <p:cNvPr id="518" name="Google Shape;518;p41"/>
           <p:cNvSpPr txBox="1"/>
           <p:nvPr/>
         </p:nvSpPr>
@@ -22706,13 +22762,13 @@
       </p:sp>
       <p:sp>
         <p:nvSpPr>
-          <p:cNvPr id="518" name="Google Shape;518;p41"/>
+          <p:cNvPr id="519" name="Google Shape;519;p41"/>
           <p:cNvSpPr txBox="1"/>
           <p:nvPr/>
         </p:nvSpPr>
         <p:spPr>
           <a:xfrm>
-            <a:off x="1576725" y="1774725"/>
+            <a:off x="1576725" y="1743313"/>
             <a:ext cx="5768700" cy="1881600"/>
           </a:xfrm>
           <a:prstGeom prst="rect">
@@ -23663,7 +23719,7 @@
   <p:cSld>
     <p:spTree>
       <p:nvGrpSpPr>
-        <p:cNvPr id="522" name="Shape 522"/>
+        <p:cNvPr id="523" name="Shape 523"/>
         <p:cNvGrpSpPr/>
         <p:nvPr/>
       </p:nvGrpSpPr>
@@ -23677,7 +23733,7 @@
       </p:grpSpPr>
       <p:sp>
         <p:nvSpPr>
-          <p:cNvPr id="523" name="Google Shape;523;p42"/>
+          <p:cNvPr id="524" name="Google Shape;524;p42"/>
           <p:cNvSpPr txBox="1"/>
           <p:nvPr>
             <p:ph type="title"/>
@@ -23721,7 +23777,7 @@
       </p:sp>
       <p:sp>
         <p:nvSpPr>
-          <p:cNvPr id="524" name="Google Shape;524;p42"/>
+          <p:cNvPr id="525" name="Google Shape;525;p42"/>
           <p:cNvSpPr txBox="1"/>
           <p:nvPr>
             <p:ph idx="12" type="sldNum"/>
@@ -23761,7 +23817,7 @@
       </p:sp>
       <p:sp>
         <p:nvSpPr>
-          <p:cNvPr id="525" name="Google Shape;525;p42"/>
+          <p:cNvPr id="526" name="Google Shape;526;p42"/>
           <p:cNvSpPr/>
           <p:nvPr/>
         </p:nvSpPr>
@@ -23810,7 +23866,7 @@
       </p:sp>
       <p:sp>
         <p:nvSpPr>
-          <p:cNvPr id="526" name="Google Shape;526;p42"/>
+          <p:cNvPr id="527" name="Google Shape;527;p42"/>
           <p:cNvSpPr/>
           <p:nvPr/>
         </p:nvSpPr>
@@ -23860,7 +23916,7 @@
       </p:sp>
       <p:sp>
         <p:nvSpPr>
-          <p:cNvPr id="527" name="Google Shape;527;p42"/>
+          <p:cNvPr id="528" name="Google Shape;528;p42"/>
           <p:cNvSpPr txBox="1"/>
           <p:nvPr/>
         </p:nvSpPr>
@@ -23904,7 +23960,7 @@
       </p:sp>
       <p:sp>
         <p:nvSpPr>
-          <p:cNvPr id="528" name="Google Shape;528;p42"/>
+          <p:cNvPr id="529" name="Google Shape;529;p42"/>
           <p:cNvSpPr/>
           <p:nvPr/>
         </p:nvSpPr>
@@ -23953,7 +24009,7 @@
       </p:sp>
       <p:sp>
         <p:nvSpPr>
-          <p:cNvPr id="529" name="Google Shape;529;p42"/>
+          <p:cNvPr id="530" name="Google Shape;530;p42"/>
           <p:cNvSpPr/>
           <p:nvPr/>
         </p:nvSpPr>
@@ -24003,7 +24059,7 @@
       </p:sp>
       <p:pic>
         <p:nvPicPr>
-          <p:cNvPr id="530" name="Google Shape;530;p42"/>
+          <p:cNvPr id="531" name="Google Shape;531;p42"/>
           <p:cNvPicPr preferRelativeResize="0"/>
           <p:nvPr/>
         </p:nvPicPr>
@@ -24031,7 +24087,7 @@
       </p:pic>
       <p:sp>
         <p:nvSpPr>
-          <p:cNvPr id="531" name="Google Shape;531;p42"/>
+          <p:cNvPr id="532" name="Google Shape;532;p42"/>
           <p:cNvSpPr txBox="1"/>
           <p:nvPr/>
         </p:nvSpPr>
@@ -24073,7 +24129,7 @@
       </p:sp>
       <p:sp>
         <p:nvSpPr>
-          <p:cNvPr id="532" name="Google Shape;532;p42"/>
+          <p:cNvPr id="533" name="Google Shape;533;p42"/>
           <p:cNvSpPr/>
           <p:nvPr/>
         </p:nvSpPr>
@@ -24121,7 +24177,7 @@
       </p:sp>
       <p:sp>
         <p:nvSpPr>
-          <p:cNvPr id="533" name="Google Shape;533;p42"/>
+          <p:cNvPr id="534" name="Google Shape;534;p42"/>
           <p:cNvSpPr txBox="1"/>
           <p:nvPr/>
         </p:nvSpPr>
@@ -24165,7 +24221,7 @@
       </p:sp>
       <p:cxnSp>
         <p:nvCxnSpPr>
-          <p:cNvPr id="534" name="Google Shape;534;p42"/>
+          <p:cNvPr id="535" name="Google Shape;535;p42"/>
           <p:cNvCxnSpPr/>
           <p:nvPr/>
         </p:nvCxnSpPr>
@@ -24191,7 +24247,7 @@
       </p:cxnSp>
       <p:cxnSp>
         <p:nvCxnSpPr>
-          <p:cNvPr id="535" name="Google Shape;535;p42"/>
+          <p:cNvPr id="536" name="Google Shape;536;p42"/>
           <p:cNvCxnSpPr/>
           <p:nvPr/>
         </p:nvCxnSpPr>
@@ -24217,7 +24273,7 @@
       </p:cxnSp>
       <p:sp>
         <p:nvSpPr>
-          <p:cNvPr id="536" name="Google Shape;536;p42"/>
+          <p:cNvPr id="537" name="Google Shape;537;p42"/>
           <p:cNvSpPr txBox="1"/>
           <p:nvPr>
             <p:ph idx="12" type="sldNum"/>
@@ -24273,7 +24329,7 @@
       </p:sp>
       <p:sp>
         <p:nvSpPr>
-          <p:cNvPr id="537" name="Google Shape;537;p42"/>
+          <p:cNvPr id="538" name="Google Shape;538;p42"/>
           <p:cNvSpPr txBox="1"/>
           <p:nvPr/>
         </p:nvSpPr>
@@ -24331,7 +24387,7 @@
       </p:sp>
       <p:sp>
         <p:nvSpPr>
-          <p:cNvPr id="538" name="Google Shape;538;p42"/>
+          <p:cNvPr id="539" name="Google Shape;539;p42"/>
           <p:cNvSpPr txBox="1"/>
           <p:nvPr/>
         </p:nvSpPr>
@@ -24389,7 +24445,7 @@
       </p:sp>
       <p:sp>
         <p:nvSpPr>
-          <p:cNvPr id="539" name="Google Shape;539;p42"/>
+          <p:cNvPr id="540" name="Google Shape;540;p42"/>
           <p:cNvSpPr txBox="1"/>
           <p:nvPr/>
         </p:nvSpPr>
@@ -24447,7 +24503,7 @@
       </p:sp>
       <p:sp>
         <p:nvSpPr>
-          <p:cNvPr id="540" name="Google Shape;540;p42"/>
+          <p:cNvPr id="541" name="Google Shape;541;p42"/>
           <p:cNvSpPr txBox="1"/>
           <p:nvPr/>
         </p:nvSpPr>
@@ -24511,7 +24567,7 @@
       </p:sp>
       <p:sp>
         <p:nvSpPr>
-          <p:cNvPr id="541" name="Google Shape;541;p42"/>
+          <p:cNvPr id="542" name="Google Shape;542;p42"/>
           <p:cNvSpPr txBox="1"/>
           <p:nvPr/>
         </p:nvSpPr>
@@ -24601,7 +24657,7 @@
       </p:sp>
       <p:sp>
         <p:nvSpPr>
-          <p:cNvPr id="542" name="Google Shape;542;p42"/>
+          <p:cNvPr id="543" name="Google Shape;543;p42"/>
           <p:cNvSpPr txBox="1"/>
           <p:nvPr/>
         </p:nvSpPr>
@@ -24672,7 +24728,7 @@
   <p:cSld>
     <p:spTree>
       <p:nvGrpSpPr>
-        <p:cNvPr id="546" name="Shape 546"/>
+        <p:cNvPr id="547" name="Shape 547"/>
         <p:cNvGrpSpPr/>
         <p:nvPr/>
       </p:nvGrpSpPr>
@@ -24686,7 +24742,7 @@
       </p:grpSpPr>
       <p:sp>
         <p:nvSpPr>
-          <p:cNvPr id="547" name="Google Shape;547;p43"/>
+          <p:cNvPr id="548" name="Google Shape;548;p43"/>
           <p:cNvSpPr txBox="1"/>
           <p:nvPr>
             <p:ph type="title"/>
@@ -24726,7 +24782,7 @@
       </p:sp>
       <p:sp>
         <p:nvSpPr>
-          <p:cNvPr id="548" name="Google Shape;548;p43"/>
+          <p:cNvPr id="549" name="Google Shape;549;p43"/>
           <p:cNvSpPr txBox="1"/>
           <p:nvPr>
             <p:ph idx="1" type="body"/>
@@ -24829,7 +24885,7 @@
       </p:sp>
       <p:sp>
         <p:nvSpPr>
-          <p:cNvPr id="549" name="Google Shape;549;p43"/>
+          <p:cNvPr id="550" name="Google Shape;550;p43"/>
           <p:cNvSpPr txBox="1"/>
           <p:nvPr>
             <p:ph idx="12" type="sldNum"/>
@@ -24880,7 +24936,7 @@
   <p:cSld>
     <p:spTree>
       <p:nvGrpSpPr>
-        <p:cNvPr id="553" name="Shape 553"/>
+        <p:cNvPr id="554" name="Shape 554"/>
         <p:cNvGrpSpPr/>
         <p:nvPr/>
       </p:nvGrpSpPr>
@@ -24894,7 +24950,7 @@
       </p:grpSpPr>
       <p:sp>
         <p:nvSpPr>
-          <p:cNvPr id="554" name="Google Shape;554;p44"/>
+          <p:cNvPr id="555" name="Google Shape;555;p44"/>
           <p:cNvSpPr txBox="1"/>
           <p:nvPr>
             <p:ph type="title"/>
@@ -24934,7 +24990,7 @@
       </p:sp>
       <p:sp>
         <p:nvSpPr>
-          <p:cNvPr id="555" name="Google Shape;555;p44"/>
+          <p:cNvPr id="556" name="Google Shape;556;p44"/>
           <p:cNvSpPr txBox="1"/>
           <p:nvPr>
             <p:ph idx="1" type="body"/>
@@ -25093,7 +25149,7 @@
       </p:sp>
       <p:sp>
         <p:nvSpPr>
-          <p:cNvPr id="556" name="Google Shape;556;p44"/>
+          <p:cNvPr id="557" name="Google Shape;557;p44"/>
           <p:cNvSpPr txBox="1"/>
           <p:nvPr>
             <p:ph idx="12" type="sldNum"/>
@@ -25144,7 +25200,7 @@
   <p:cSld>
     <p:spTree>
       <p:nvGrpSpPr>
-        <p:cNvPr id="560" name="Shape 560"/>
+        <p:cNvPr id="561" name="Shape 561"/>
         <p:cNvGrpSpPr/>
         <p:nvPr/>
       </p:nvGrpSpPr>
@@ -25158,7 +25214,7 @@
       </p:grpSpPr>
       <p:sp>
         <p:nvSpPr>
-          <p:cNvPr id="561" name="Google Shape;561;p45"/>
+          <p:cNvPr id="562" name="Google Shape;562;p45"/>
           <p:cNvSpPr txBox="1"/>
           <p:nvPr>
             <p:ph type="title"/>
@@ -25198,7 +25254,7 @@
       </p:sp>
       <p:sp>
         <p:nvSpPr>
-          <p:cNvPr id="562" name="Google Shape;562;p45"/>
+          <p:cNvPr id="563" name="Google Shape;563;p45"/>
           <p:cNvSpPr txBox="1"/>
           <p:nvPr>
             <p:ph idx="1" type="body"/>
@@ -25390,7 +25446,7 @@
       </p:sp>
       <p:sp>
         <p:nvSpPr>
-          <p:cNvPr id="563" name="Google Shape;563;p45"/>
+          <p:cNvPr id="564" name="Google Shape;564;p45"/>
           <p:cNvSpPr txBox="1"/>
           <p:nvPr>
             <p:ph idx="12" type="sldNum"/>
@@ -29509,6 +29565,285 @@
 </file>
 
 <file path=ppt/theme/theme1.xml><?xml version="1.0" encoding="utf-8"?>
+<a:theme xmlns:a="http://schemas.openxmlformats.org/drawingml/2006/main" xmlns:r="http://schemas.openxmlformats.org/officeDocument/2006/relationships">
+  <a:themeElements>
+    <a:clrScheme name="Default">
+      <a:dk1>
+        <a:srgbClr val="000000"/>
+      </a:dk1>
+      <a:lt1>
+        <a:srgbClr val="FFFFFF"/>
+      </a:lt1>
+      <a:dk2>
+        <a:srgbClr val="158158"/>
+      </a:dk2>
+      <a:lt2>
+        <a:srgbClr val="F3F3F3"/>
+      </a:lt2>
+      <a:accent1>
+        <a:srgbClr val="058DC7"/>
+      </a:accent1>
+      <a:accent2>
+        <a:srgbClr val="50B432"/>
+      </a:accent2>
+      <a:accent3>
+        <a:srgbClr val="ED561B"/>
+      </a:accent3>
+      <a:accent4>
+        <a:srgbClr val="EDEF00"/>
+      </a:accent4>
+      <a:accent5>
+        <a:srgbClr val="24CBE5"/>
+      </a:accent5>
+      <a:accent6>
+        <a:srgbClr val="64E572"/>
+      </a:accent6>
+      <a:hlink>
+        <a:srgbClr val="2200CC"/>
+      </a:hlink>
+      <a:folHlink>
+        <a:srgbClr val="551A8B"/>
+      </a:folHlink>
+    </a:clrScheme>
+    <a:fontScheme name="Office">
+      <a:majorFont>
+        <a:latin typeface="Arial"/>
+        <a:ea typeface=""/>
+        <a:cs typeface=""/>
+        <a:font script="Jpan" typeface="ＭＳ Ｐゴシック"/>
+        <a:font script="Hang" typeface="맑은 고딕"/>
+        <a:font script="Hans" typeface="宋体"/>
+        <a:font script="Hant" typeface="新細明體"/>
+        <a:font script="Arab" typeface="Times New Roman"/>
+        <a:font script="Hebr" typeface="Times New Roman"/>
+        <a:font script="Thai" typeface="Angsana New"/>
+        <a:font script="Ethi" typeface="Nyala"/>
+        <a:font script="Beng" typeface="Vrinda"/>
+        <a:font script="Gujr" typeface="Shruti"/>
+        <a:font script="Khmr" typeface="MoolBoran"/>
+        <a:font script="Knda" typeface="Tunga"/>
+        <a:font script="Guru" typeface="Raavi"/>
+        <a:font script="Cans" typeface="Euphemia"/>
+        <a:font script="Cher" typeface="Plantagenet Cherokee"/>
+        <a:font script="Yiii" typeface="Microsoft Yi Baiti"/>
+        <a:font script="Tibt" typeface="Microsoft Himalaya"/>
+        <a:font script="Thaa" typeface="MV Boli"/>
+        <a:font script="Deva" typeface="Mangal"/>
+        <a:font script="Telu" typeface="Gautami"/>
+        <a:font script="Taml" typeface="Latha"/>
+        <a:font script="Syrc" typeface="Estrangelo Edessa"/>
+        <a:font script="Orya" typeface="Kalinga"/>
+        <a:font script="Mlym" typeface="Kartika"/>
+        <a:font script="Laoo" typeface="DokChampa"/>
+        <a:font script="Sinh" typeface="Iskoola Pota"/>
+        <a:font script="Mong" typeface="Mongolian Baiti"/>
+        <a:font script="Viet" typeface="Times New Roman"/>
+        <a:font script="Uigh" typeface="Microsoft Uighur"/>
+        <a:font script="Geor" typeface="Sylfaen"/>
+      </a:majorFont>
+      <a:minorFont>
+        <a:latin typeface="Arial"/>
+        <a:ea typeface=""/>
+        <a:cs typeface=""/>
+        <a:font script="Jpan" typeface="ＭＳ Ｐゴシック"/>
+        <a:font script="Hang" typeface="맑은 고딕"/>
+        <a:font script="Hans" typeface="宋体"/>
+        <a:font script="Hant" typeface="新細明體"/>
+        <a:font script="Arab" typeface="Arial"/>
+        <a:font script="Hebr" typeface="Arial"/>
+        <a:font script="Thai" typeface="Cordia New"/>
+        <a:font script="Ethi" typeface="Nyala"/>
+        <a:font script="Beng" typeface="Vrinda"/>
+        <a:font script="Gujr" typeface="Shruti"/>
+        <a:font script="Khmr" typeface="DaunPenh"/>
+        <a:font script="Knda" typeface="Tunga"/>
+        <a:font script="Guru" typeface="Raavi"/>
+        <a:font script="Cans" typeface="Euphemia"/>
+        <a:font script="Cher" typeface="Plantagenet Cherokee"/>
+        <a:font script="Yiii" typeface="Microsoft Yi Baiti"/>
+        <a:font script="Tibt" typeface="Microsoft Himalaya"/>
+        <a:font script="Thaa" typeface="MV Boli"/>
+        <a:font script="Deva" typeface="Mangal"/>
+        <a:font script="Telu" typeface="Gautami"/>
+        <a:font script="Taml" typeface="Latha"/>
+        <a:font script="Syrc" typeface="Estrangelo Edessa"/>
+        <a:font script="Orya" typeface="Kalinga"/>
+        <a:font script="Mlym" typeface="Kartika"/>
+        <a:font script="Laoo" typeface="DokChampa"/>
+        <a:font script="Sinh" typeface="Iskoola Pota"/>
+        <a:font script="Mong" typeface="Mongolian Baiti"/>
+        <a:font script="Viet" typeface="Arial"/>
+        <a:font script="Uigh" typeface="Microsoft Uighur"/>
+        <a:font script="Geor" typeface="Sylfaen"/>
+      </a:minorFont>
+    </a:fontScheme>
+    <a:fmtScheme name="Office">
+      <a:fillStyleLst>
+        <a:solidFill>
+          <a:schemeClr val="phClr"/>
+        </a:solidFill>
+        <a:gradFill rotWithShape="1">
+          <a:gsLst>
+            <a:gs pos="0">
+              <a:schemeClr val="phClr">
+                <a:tint val="50000"/>
+                <a:satMod val="300000"/>
+              </a:schemeClr>
+            </a:gs>
+            <a:gs pos="35000">
+              <a:schemeClr val="phClr">
+                <a:tint val="37000"/>
+                <a:satMod val="300000"/>
+              </a:schemeClr>
+            </a:gs>
+            <a:gs pos="100000">
+              <a:schemeClr val="phClr">
+                <a:tint val="15000"/>
+                <a:satMod val="350000"/>
+              </a:schemeClr>
+            </a:gs>
+          </a:gsLst>
+          <a:lin ang="16200000" scaled="1"/>
+        </a:gradFill>
+        <a:gradFill rotWithShape="1">
+          <a:gsLst>
+            <a:gs pos="0">
+              <a:schemeClr val="phClr">
+                <a:tint val="100000"/>
+                <a:shade val="100000"/>
+                <a:satMod val="130000"/>
+              </a:schemeClr>
+            </a:gs>
+            <a:gs pos="100000">
+              <a:schemeClr val="phClr">
+                <a:tint val="50000"/>
+                <a:shade val="100000"/>
+                <a:satMod val="350000"/>
+              </a:schemeClr>
+            </a:gs>
+          </a:gsLst>
+          <a:lin ang="16200000" scaled="0"/>
+        </a:gradFill>
+      </a:fillStyleLst>
+      <a:lnStyleLst>
+        <a:ln w="9525" cap="flat" cmpd="sng" algn="ctr">
+          <a:solidFill>
+            <a:schemeClr val="phClr">
+              <a:shade val="95000"/>
+              <a:satMod val="105000"/>
+            </a:schemeClr>
+          </a:solidFill>
+          <a:prstDash val="solid"/>
+        </a:ln>
+        <a:ln w="25400" cap="flat" cmpd="sng" algn="ctr">
+          <a:solidFill>
+            <a:schemeClr val="phClr"/>
+          </a:solidFill>
+          <a:prstDash val="solid"/>
+        </a:ln>
+        <a:ln w="38100" cap="flat" cmpd="sng" algn="ctr">
+          <a:solidFill>
+            <a:schemeClr val="phClr"/>
+          </a:solidFill>
+          <a:prstDash val="solid"/>
+        </a:ln>
+      </a:lnStyleLst>
+      <a:effectStyleLst>
+        <a:effectStyle>
+          <a:effectLst>
+            <a:outerShdw blurRad="40000" dist="20000" dir="5400000" rotWithShape="0">
+              <a:srgbClr val="000000">
+                <a:alpha val="38000"/>
+              </a:srgbClr>
+            </a:outerShdw>
+          </a:effectLst>
+        </a:effectStyle>
+        <a:effectStyle>
+          <a:effectLst>
+            <a:outerShdw blurRad="40000" dist="23000" dir="5400000" rotWithShape="0">
+              <a:srgbClr val="000000">
+                <a:alpha val="35000"/>
+              </a:srgbClr>
+            </a:outerShdw>
+          </a:effectLst>
+        </a:effectStyle>
+        <a:effectStyle>
+          <a:effectLst>
+            <a:outerShdw blurRad="40000" dist="23000" dir="5400000" rotWithShape="0">
+              <a:srgbClr val="000000">
+                <a:alpha val="35000"/>
+              </a:srgbClr>
+            </a:outerShdw>
+          </a:effectLst>
+          <a:scene3d>
+            <a:camera prst="orthographicFront">
+              <a:rot lat="0" lon="0" rev="0"/>
+            </a:camera>
+            <a:lightRig rig="threePt" dir="t">
+              <a:rot lat="0" lon="0" rev="1200000"/>
+            </a:lightRig>
+          </a:scene3d>
+          <a:sp3d>
+            <a:bevelT w="63500" h="25400"/>
+          </a:sp3d>
+        </a:effectStyle>
+      </a:effectStyleLst>
+      <a:bgFillStyleLst>
+        <a:solidFill>
+          <a:schemeClr val="phClr"/>
+        </a:solidFill>
+        <a:gradFill rotWithShape="1">
+          <a:gsLst>
+            <a:gs pos="0">
+              <a:schemeClr val="phClr">
+                <a:tint val="40000"/>
+                <a:satMod val="350000"/>
+              </a:schemeClr>
+            </a:gs>
+            <a:gs pos="40000">
+              <a:schemeClr val="phClr">
+                <a:tint val="45000"/>
+                <a:shade val="99000"/>
+                <a:satMod val="350000"/>
+              </a:schemeClr>
+            </a:gs>
+            <a:gs pos="100000">
+              <a:schemeClr val="phClr">
+                <a:shade val="20000"/>
+                <a:satMod val="255000"/>
+              </a:schemeClr>
+            </a:gs>
+          </a:gsLst>
+          <a:path path="circle">
+            <a:fillToRect l="50000" t="-80000" r="50000" b="180000"/>
+          </a:path>
+        </a:gradFill>
+        <a:gradFill rotWithShape="1">
+          <a:gsLst>
+            <a:gs pos="0">
+              <a:schemeClr val="phClr">
+                <a:tint val="80000"/>
+                <a:satMod val="300000"/>
+              </a:schemeClr>
+            </a:gs>
+            <a:gs pos="100000">
+              <a:schemeClr val="phClr">
+                <a:shade val="30000"/>
+                <a:satMod val="200000"/>
+              </a:schemeClr>
+            </a:gs>
+          </a:gsLst>
+          <a:path path="circle">
+            <a:fillToRect l="50000" t="50000" r="50000" b="50000"/>
+          </a:path>
+        </a:gradFill>
+      </a:bgFillStyleLst>
+    </a:fmtScheme>
+  </a:themeElements>
+</a:theme>
+</file>
+
+<file path=ppt/theme/theme2.xml><?xml version="1.0" encoding="utf-8"?>
 <a:theme xmlns:a="http://schemas.openxmlformats.org/drawingml/2006/main" xmlns:r="http://schemas.openxmlformats.org/officeDocument/2006/relationships" name="Slate">
   <a:themeElements>
     <a:clrScheme name="Slate">
@@ -29785,283 +30120,4 @@
     </a:fmtScheme>
   </a:themeElements>
 </a:theme>
-</file>
-
-<file path=ppt/theme/theme2.xml><?xml version="1.0" encoding="utf-8"?>
-<a:theme xmlns:a="http://schemas.openxmlformats.org/drawingml/2006/main" xmlns:r="http://schemas.openxmlformats.org/officeDocument/2006/relationships">
-  <a:themeElements>
-    <a:clrScheme name="Default">
-      <a:dk1>
-        <a:srgbClr val="000000"/>
-      </a:dk1>
-      <a:lt1>
-        <a:srgbClr val="FFFFFF"/>
-      </a:lt1>
-      <a:dk2>
-        <a:srgbClr val="158158"/>
-      </a:dk2>
-      <a:lt2>
-        <a:srgbClr val="F3F3F3"/>
-      </a:lt2>
-      <a:accent1>
-        <a:srgbClr val="058DC7"/>
-      </a:accent1>
-      <a:accent2>
-        <a:srgbClr val="50B432"/>
-      </a:accent2>
-      <a:accent3>
-        <a:srgbClr val="ED561B"/>
-      </a:accent3>
-      <a:accent4>
-        <a:srgbClr val="EDEF00"/>
-      </a:accent4>
-      <a:accent5>
-        <a:srgbClr val="24CBE5"/>
-      </a:accent5>
-      <a:accent6>
-        <a:srgbClr val="64E572"/>
-      </a:accent6>
-      <a:hlink>
-        <a:srgbClr val="2200CC"/>
-      </a:hlink>
-      <a:folHlink>
-        <a:srgbClr val="551A8B"/>
-      </a:folHlink>
-    </a:clrScheme>
-    <a:fontScheme name="Office">
-      <a:majorFont>
-        <a:latin typeface="Arial"/>
-        <a:ea typeface=""/>
-        <a:cs typeface=""/>
-        <a:font script="Jpan" typeface="ＭＳ Ｐゴシック"/>
-        <a:font script="Hang" typeface="맑은 고딕"/>
-        <a:font script="Hans" typeface="宋体"/>
-        <a:font script="Hant" typeface="新細明體"/>
-        <a:font script="Arab" typeface="Times New Roman"/>
-        <a:font script="Hebr" typeface="Times New Roman"/>
-        <a:font script="Thai" typeface="Angsana New"/>
-        <a:font script="Ethi" typeface="Nyala"/>
-        <a:font script="Beng" typeface="Vrinda"/>
-        <a:font script="Gujr" typeface="Shruti"/>
-        <a:font script="Khmr" typeface="MoolBoran"/>
-        <a:font script="Knda" typeface="Tunga"/>
-        <a:font script="Guru" typeface="Raavi"/>
-        <a:font script="Cans" typeface="Euphemia"/>
-        <a:font script="Cher" typeface="Plantagenet Cherokee"/>
-        <a:font script="Yiii" typeface="Microsoft Yi Baiti"/>
-        <a:font script="Tibt" typeface="Microsoft Himalaya"/>
-        <a:font script="Thaa" typeface="MV Boli"/>
-        <a:font script="Deva" typeface="Mangal"/>
-        <a:font script="Telu" typeface="Gautami"/>
-        <a:font script="Taml" typeface="Latha"/>
-        <a:font script="Syrc" typeface="Estrangelo Edessa"/>
-        <a:font script="Orya" typeface="Kalinga"/>
-        <a:font script="Mlym" typeface="Kartika"/>
-        <a:font script="Laoo" typeface="DokChampa"/>
-        <a:font script="Sinh" typeface="Iskoola Pota"/>
-        <a:font script="Mong" typeface="Mongolian Baiti"/>
-        <a:font script="Viet" typeface="Times New Roman"/>
-        <a:font script="Uigh" typeface="Microsoft Uighur"/>
-        <a:font script="Geor" typeface="Sylfaen"/>
-      </a:majorFont>
-      <a:minorFont>
-        <a:latin typeface="Arial"/>
-        <a:ea typeface=""/>
-        <a:cs typeface=""/>
-        <a:font script="Jpan" typeface="ＭＳ Ｐゴシック"/>
-        <a:font script="Hang" typeface="맑은 고딕"/>
-        <a:font script="Hans" typeface="宋体"/>
-        <a:font script="Hant" typeface="新細明體"/>
-        <a:font script="Arab" typeface="Arial"/>
-        <a:font script="Hebr" typeface="Arial"/>
-        <a:font script="Thai" typeface="Cordia New"/>
-        <a:font script="Ethi" typeface="Nyala"/>
-        <a:font script="Beng" typeface="Vrinda"/>
-        <a:font script="Gujr" typeface="Shruti"/>
-        <a:font script="Khmr" typeface="DaunPenh"/>
-        <a:font script="Knda" typeface="Tunga"/>
-        <a:font script="Guru" typeface="Raavi"/>
-        <a:font script="Cans" typeface="Euphemia"/>
-        <a:font script="Cher" typeface="Plantagenet Cherokee"/>
-        <a:font script="Yiii" typeface="Microsoft Yi Baiti"/>
-        <a:font script="Tibt" typeface="Microsoft Himalaya"/>
-        <a:font script="Thaa" typeface="MV Boli"/>
-        <a:font script="Deva" typeface="Mangal"/>
-        <a:font script="Telu" typeface="Gautami"/>
-        <a:font script="Taml" typeface="Latha"/>
-        <a:font script="Syrc" typeface="Estrangelo Edessa"/>
-        <a:font script="Orya" typeface="Kalinga"/>
-        <a:font script="Mlym" typeface="Kartika"/>
-        <a:font script="Laoo" typeface="DokChampa"/>
-        <a:font script="Sinh" typeface="Iskoola Pota"/>
-        <a:font script="Mong" typeface="Mongolian Baiti"/>
-        <a:font script="Viet" typeface="Arial"/>
-        <a:font script="Uigh" typeface="Microsoft Uighur"/>
-        <a:font script="Geor" typeface="Sylfaen"/>
-      </a:minorFont>
-    </a:fontScheme>
-    <a:fmtScheme name="Office">
-      <a:fillStyleLst>
-        <a:solidFill>
-          <a:schemeClr val="phClr"/>
-        </a:solidFill>
-        <a:gradFill rotWithShape="1">
-          <a:gsLst>
-            <a:gs pos="0">
-              <a:schemeClr val="phClr">
-                <a:tint val="50000"/>
-                <a:satMod val="300000"/>
-              </a:schemeClr>
-            </a:gs>
-            <a:gs pos="35000">
-              <a:schemeClr val="phClr">
-                <a:tint val="37000"/>
-                <a:satMod val="300000"/>
-              </a:schemeClr>
-            </a:gs>
-            <a:gs pos="100000">
-              <a:schemeClr val="phClr">
-                <a:tint val="15000"/>
-                <a:satMod val="350000"/>
-              </a:schemeClr>
-            </a:gs>
-          </a:gsLst>
-          <a:lin ang="16200000" scaled="1"/>
-        </a:gradFill>
-        <a:gradFill rotWithShape="1">
-          <a:gsLst>
-            <a:gs pos="0">
-              <a:schemeClr val="phClr">
-                <a:tint val="100000"/>
-                <a:shade val="100000"/>
-                <a:satMod val="130000"/>
-              </a:schemeClr>
-            </a:gs>
-            <a:gs pos="100000">
-              <a:schemeClr val="phClr">
-                <a:tint val="50000"/>
-                <a:shade val="100000"/>
-                <a:satMod val="350000"/>
-              </a:schemeClr>
-            </a:gs>
-          </a:gsLst>
-          <a:lin ang="16200000" scaled="0"/>
-        </a:gradFill>
-      </a:fillStyleLst>
-      <a:lnStyleLst>
-        <a:ln w="9525" cap="flat" cmpd="sng" algn="ctr">
-          <a:solidFill>
-            <a:schemeClr val="phClr">
-              <a:shade val="95000"/>
-              <a:satMod val="105000"/>
-            </a:schemeClr>
-          </a:solidFill>
-          <a:prstDash val="solid"/>
-        </a:ln>
-        <a:ln w="25400" cap="flat" cmpd="sng" algn="ctr">
-          <a:solidFill>
-            <a:schemeClr val="phClr"/>
-          </a:solidFill>
-          <a:prstDash val="solid"/>
-        </a:ln>
-        <a:ln w="38100" cap="flat" cmpd="sng" algn="ctr">
-          <a:solidFill>
-            <a:schemeClr val="phClr"/>
-          </a:solidFill>
-          <a:prstDash val="solid"/>
-        </a:ln>
-      </a:lnStyleLst>
-      <a:effectStyleLst>
-        <a:effectStyle>
-          <a:effectLst>
-            <a:outerShdw blurRad="40000" dist="20000" dir="5400000" rotWithShape="0">
-              <a:srgbClr val="000000">
-                <a:alpha val="38000"/>
-              </a:srgbClr>
-            </a:outerShdw>
-          </a:effectLst>
-        </a:effectStyle>
-        <a:effectStyle>
-          <a:effectLst>
-            <a:outerShdw blurRad="40000" dist="23000" dir="5400000" rotWithShape="0">
-              <a:srgbClr val="000000">
-                <a:alpha val="35000"/>
-              </a:srgbClr>
-            </a:outerShdw>
-          </a:effectLst>
-        </a:effectStyle>
-        <a:effectStyle>
-          <a:effectLst>
-            <a:outerShdw blurRad="40000" dist="23000" dir="5400000" rotWithShape="0">
-              <a:srgbClr val="000000">
-                <a:alpha val="35000"/>
-              </a:srgbClr>
-            </a:outerShdw>
-          </a:effectLst>
-          <a:scene3d>
-            <a:camera prst="orthographicFront">
-              <a:rot lat="0" lon="0" rev="0"/>
-            </a:camera>
-            <a:lightRig rig="threePt" dir="t">
-              <a:rot lat="0" lon="0" rev="1200000"/>
-            </a:lightRig>
-          </a:scene3d>
-          <a:sp3d>
-            <a:bevelT w="63500" h="25400"/>
-          </a:sp3d>
-        </a:effectStyle>
-      </a:effectStyleLst>
-      <a:bgFillStyleLst>
-        <a:solidFill>
-          <a:schemeClr val="phClr"/>
-        </a:solidFill>
-        <a:gradFill rotWithShape="1">
-          <a:gsLst>
-            <a:gs pos="0">
-              <a:schemeClr val="phClr">
-                <a:tint val="40000"/>
-                <a:satMod val="350000"/>
-              </a:schemeClr>
-            </a:gs>
-            <a:gs pos="40000">
-              <a:schemeClr val="phClr">
-                <a:tint val="45000"/>
-                <a:shade val="99000"/>
-                <a:satMod val="350000"/>
-              </a:schemeClr>
-            </a:gs>
-            <a:gs pos="100000">
-              <a:schemeClr val="phClr">
-                <a:shade val="20000"/>
-                <a:satMod val="255000"/>
-              </a:schemeClr>
-            </a:gs>
-          </a:gsLst>
-          <a:path path="circle">
-            <a:fillToRect l="50000" t="-80000" r="50000" b="180000"/>
-          </a:path>
-        </a:gradFill>
-        <a:gradFill rotWithShape="1">
-          <a:gsLst>
-            <a:gs pos="0">
-              <a:schemeClr val="phClr">
-                <a:tint val="80000"/>
-                <a:satMod val="300000"/>
-              </a:schemeClr>
-            </a:gs>
-            <a:gs pos="100000">
-              <a:schemeClr val="phClr">
-                <a:shade val="30000"/>
-                <a:satMod val="200000"/>
-              </a:schemeClr>
-            </a:gs>
-          </a:gsLst>
-          <a:path path="circle">
-            <a:fillToRect l="50000" t="50000" r="50000" b="50000"/>
-          </a:path>
-        </a:gradFill>
-      </a:bgFillStyleLst>
-    </a:fmtScheme>
-  </a:themeElements>
-</a:theme>
 </file>